--- a/Sprint 2/sprint2.pptx
+++ b/Sprint 2/sprint2.pptx
@@ -112,7 +112,3656 @@
       </a:defRPr>
     </a:lvl9pPr>
   </p:defaultTextStyle>
+  <p:extLst>
+    <p:ext uri="{EFAFB233-063F-42B5-8137-9DF3F51BA10A}">
+      <p15:sldGuideLst xmlns:p15="http://schemas.microsoft.com/office/powerpoint/2012/main"/>
+    </p:ext>
+  </p:extLst>
 </p:presentation>
+</file>
+
+<file path=ppt/diagrams/colors1.xml><?xml version="1.0" encoding="utf-8"?>
+<dgm:colorsDef xmlns:dgm="http://schemas.openxmlformats.org/drawingml/2006/diagram" xmlns:a="http://schemas.openxmlformats.org/drawingml/2006/main" uniqueId="urn:microsoft.com/office/officeart/2018/5/colors/Iconchunking_neutralbg_colorful5">
+  <dgm:title val=""/>
+  <dgm:desc val=""/>
+  <dgm:catLst>
+    <dgm:cat type="colorful" pri="10500"/>
+  </dgm:catLst>
+  <dgm:styleLbl name="node0">
+    <dgm:fillClrLst meth="repeat">
+      <a:schemeClr val="accent4"/>
+    </dgm:fillClrLst>
+    <dgm:linClrLst meth="repeat">
+      <a:schemeClr val="lt1"/>
+    </dgm:linClrLst>
+    <dgm:effectClrLst/>
+    <dgm:txLinClrLst/>
+    <dgm:txFillClrLst/>
+    <dgm:txEffectClrLst/>
+  </dgm:styleLbl>
+  <dgm:styleLbl name="node1">
+    <dgm:fillClrLst>
+      <a:schemeClr val="accent5"/>
+      <a:schemeClr val="accent6"/>
+    </dgm:fillClrLst>
+    <dgm:linClrLst meth="repeat">
+      <a:schemeClr val="lt1">
+        <a:alpha val="0"/>
+      </a:schemeClr>
+    </dgm:linClrLst>
+    <dgm:effectClrLst/>
+    <dgm:txLinClrLst/>
+    <dgm:txFillClrLst/>
+    <dgm:txEffectClrLst/>
+  </dgm:styleLbl>
+  <dgm:styleLbl name="alignNode1">
+    <dgm:fillClrLst>
+      <a:schemeClr val="accent5"/>
+      <a:schemeClr val="accent6"/>
+    </dgm:fillClrLst>
+    <dgm:linClrLst>
+      <a:schemeClr val="accent5"/>
+      <a:schemeClr val="accent6"/>
+    </dgm:linClrLst>
+    <dgm:effectClrLst/>
+    <dgm:txLinClrLst/>
+    <dgm:txFillClrLst/>
+    <dgm:txEffectClrLst/>
+  </dgm:styleLbl>
+  <dgm:styleLbl name="lnNode1">
+    <dgm:fillClrLst>
+      <a:schemeClr val="accent5"/>
+      <a:schemeClr val="accent6"/>
+    </dgm:fillClrLst>
+    <dgm:linClrLst meth="repeat">
+      <a:schemeClr val="lt1"/>
+    </dgm:linClrLst>
+    <dgm:effectClrLst/>
+    <dgm:txLinClrLst/>
+    <dgm:txFillClrLst/>
+    <dgm:txEffectClrLst/>
+  </dgm:styleLbl>
+  <dgm:styleLbl name="vennNode1">
+    <dgm:fillClrLst>
+      <a:schemeClr val="accent5">
+        <a:alpha val="50000"/>
+      </a:schemeClr>
+      <a:schemeClr val="accent6">
+        <a:alpha val="50000"/>
+      </a:schemeClr>
+    </dgm:fillClrLst>
+    <dgm:linClrLst meth="repeat">
+      <a:schemeClr val="lt1"/>
+    </dgm:linClrLst>
+    <dgm:effectClrLst/>
+    <dgm:txLinClrLst/>
+    <dgm:txFillClrLst/>
+    <dgm:txEffectClrLst/>
+  </dgm:styleLbl>
+  <dgm:styleLbl name="node2">
+    <dgm:fillClrLst>
+      <a:schemeClr val="accent6"/>
+    </dgm:fillClrLst>
+    <dgm:linClrLst meth="repeat">
+      <a:schemeClr val="lt1"/>
+    </dgm:linClrLst>
+    <dgm:effectClrLst/>
+    <dgm:txLinClrLst/>
+    <dgm:txFillClrLst/>
+    <dgm:txEffectClrLst/>
+  </dgm:styleLbl>
+  <dgm:styleLbl name="node3">
+    <dgm:fillClrLst>
+      <a:schemeClr val="accent1"/>
+    </dgm:fillClrLst>
+    <dgm:linClrLst meth="repeat">
+      <a:schemeClr val="lt1"/>
+    </dgm:linClrLst>
+    <dgm:effectClrLst/>
+    <dgm:txLinClrLst/>
+    <dgm:txFillClrLst/>
+    <dgm:txEffectClrLst/>
+  </dgm:styleLbl>
+  <dgm:styleLbl name="node4">
+    <dgm:fillClrLst>
+      <a:schemeClr val="accent2"/>
+    </dgm:fillClrLst>
+    <dgm:linClrLst meth="repeat">
+      <a:schemeClr val="lt1"/>
+    </dgm:linClrLst>
+    <dgm:effectClrLst/>
+    <dgm:txLinClrLst/>
+    <dgm:txFillClrLst/>
+    <dgm:txEffectClrLst/>
+  </dgm:styleLbl>
+  <dgm:styleLbl name="fgImgPlace1">
+    <dgm:fillClrLst>
+      <a:schemeClr val="accent5">
+        <a:tint val="50000"/>
+      </a:schemeClr>
+      <a:schemeClr val="accent6">
+        <a:tint val="50000"/>
+      </a:schemeClr>
+    </dgm:fillClrLst>
+    <dgm:linClrLst meth="repeat">
+      <a:schemeClr val="lt1"/>
+    </dgm:linClrLst>
+    <dgm:effectClrLst/>
+    <dgm:txLinClrLst/>
+    <dgm:txFillClrLst meth="repeat">
+      <a:schemeClr val="lt1"/>
+    </dgm:txFillClrLst>
+    <dgm:txEffectClrLst/>
+  </dgm:styleLbl>
+  <dgm:styleLbl name="alignImgPlace1">
+    <dgm:fillClrLst>
+      <a:schemeClr val="accent5">
+        <a:tint val="50000"/>
+      </a:schemeClr>
+      <a:schemeClr val="accent6">
+        <a:tint val="20000"/>
+      </a:schemeClr>
+    </dgm:fillClrLst>
+    <dgm:linClrLst meth="repeat">
+      <a:schemeClr val="lt1"/>
+    </dgm:linClrLst>
+    <dgm:effectClrLst/>
+    <dgm:txLinClrLst/>
+    <dgm:txFillClrLst meth="repeat">
+      <a:schemeClr val="lt1"/>
+    </dgm:txFillClrLst>
+    <dgm:txEffectClrLst/>
+  </dgm:styleLbl>
+  <dgm:styleLbl name="bgImgPlace1">
+    <dgm:fillClrLst>
+      <a:schemeClr val="accent5">
+        <a:tint val="50000"/>
+      </a:schemeClr>
+      <a:schemeClr val="accent6">
+        <a:tint val="20000"/>
+      </a:schemeClr>
+    </dgm:fillClrLst>
+    <dgm:linClrLst meth="repeat">
+      <a:schemeClr val="lt1"/>
+    </dgm:linClrLst>
+    <dgm:effectClrLst/>
+    <dgm:txLinClrLst/>
+    <dgm:txFillClrLst meth="repeat">
+      <a:schemeClr val="lt1"/>
+    </dgm:txFillClrLst>
+    <dgm:txEffectClrLst/>
+  </dgm:styleLbl>
+  <dgm:styleLbl name="sibTrans2D1">
+    <dgm:fillClrLst>
+      <a:schemeClr val="accent5"/>
+      <a:schemeClr val="accent6"/>
+    </dgm:fillClrLst>
+    <dgm:linClrLst meth="repeat">
+      <a:schemeClr val="lt1"/>
+    </dgm:linClrLst>
+    <dgm:effectClrLst/>
+    <dgm:txLinClrLst/>
+    <dgm:txFillClrLst/>
+    <dgm:txEffectClrLst/>
+  </dgm:styleLbl>
+  <dgm:styleLbl name="fgSibTrans2D1">
+    <dgm:fillClrLst>
+      <a:schemeClr val="accent5"/>
+      <a:schemeClr val="accent6"/>
+    </dgm:fillClrLst>
+    <dgm:linClrLst meth="repeat">
+      <a:schemeClr val="lt1"/>
+    </dgm:linClrLst>
+    <dgm:effectClrLst/>
+    <dgm:txLinClrLst/>
+    <dgm:txFillClrLst meth="repeat">
+      <a:schemeClr val="lt1"/>
+    </dgm:txFillClrLst>
+    <dgm:txEffectClrLst/>
+  </dgm:styleLbl>
+  <dgm:styleLbl name="bgSibTrans2D1">
+    <dgm:fillClrLst>
+      <a:schemeClr val="accent5"/>
+      <a:schemeClr val="accent6"/>
+    </dgm:fillClrLst>
+    <dgm:linClrLst meth="repeat">
+      <a:schemeClr val="lt1"/>
+    </dgm:linClrLst>
+    <dgm:effectClrLst/>
+    <dgm:txLinClrLst/>
+    <dgm:txFillClrLst meth="repeat">
+      <a:schemeClr val="lt1"/>
+    </dgm:txFillClrLst>
+    <dgm:txEffectClrLst/>
+  </dgm:styleLbl>
+  <dgm:styleLbl name="sibTrans1D1">
+    <dgm:fillClrLst/>
+    <dgm:linClrLst>
+      <a:schemeClr val="accent5"/>
+      <a:schemeClr val="accent6"/>
+    </dgm:linClrLst>
+    <dgm:effectClrLst/>
+    <dgm:txLinClrLst/>
+    <dgm:txFillClrLst meth="repeat">
+      <a:schemeClr val="tx1"/>
+    </dgm:txFillClrLst>
+    <dgm:txEffectClrLst/>
+  </dgm:styleLbl>
+  <dgm:styleLbl name="callout">
+    <dgm:fillClrLst meth="repeat">
+      <a:schemeClr val="accent5"/>
+    </dgm:fillClrLst>
+    <dgm:linClrLst meth="repeat">
+      <a:schemeClr val="accent5">
+        <a:tint val="50000"/>
+      </a:schemeClr>
+    </dgm:linClrLst>
+    <dgm:effectClrLst/>
+    <dgm:txLinClrLst/>
+    <dgm:txFillClrLst meth="repeat">
+      <a:schemeClr val="tx1"/>
+    </dgm:txFillClrLst>
+    <dgm:txEffectClrLst/>
+  </dgm:styleLbl>
+  <dgm:styleLbl name="asst0">
+    <dgm:fillClrLst meth="repeat">
+      <a:schemeClr val="accent5"/>
+    </dgm:fillClrLst>
+    <dgm:linClrLst meth="repeat">
+      <a:schemeClr val="lt1">
+        <a:shade val="80000"/>
+      </a:schemeClr>
+    </dgm:linClrLst>
+    <dgm:effectClrLst/>
+    <dgm:txLinClrLst/>
+    <dgm:txFillClrLst/>
+    <dgm:txEffectClrLst/>
+  </dgm:styleLbl>
+  <dgm:styleLbl name="asst1">
+    <dgm:fillClrLst meth="repeat">
+      <a:schemeClr val="accent6"/>
+    </dgm:fillClrLst>
+    <dgm:linClrLst meth="repeat">
+      <a:schemeClr val="lt1">
+        <a:shade val="80000"/>
+      </a:schemeClr>
+    </dgm:linClrLst>
+    <dgm:effectClrLst/>
+    <dgm:txLinClrLst/>
+    <dgm:txFillClrLst/>
+    <dgm:txEffectClrLst/>
+  </dgm:styleLbl>
+  <dgm:styleLbl name="asst2">
+    <dgm:fillClrLst>
+      <a:schemeClr val="accent1"/>
+    </dgm:fillClrLst>
+    <dgm:linClrLst meth="repeat">
+      <a:schemeClr val="lt1"/>
+    </dgm:linClrLst>
+    <dgm:effectClrLst/>
+    <dgm:txLinClrLst/>
+    <dgm:txFillClrLst/>
+    <dgm:txEffectClrLst/>
+  </dgm:styleLbl>
+  <dgm:styleLbl name="asst3">
+    <dgm:fillClrLst>
+      <a:schemeClr val="accent2"/>
+    </dgm:fillClrLst>
+    <dgm:linClrLst meth="repeat">
+      <a:schemeClr val="lt1"/>
+    </dgm:linClrLst>
+    <dgm:effectClrLst/>
+    <dgm:txLinClrLst/>
+    <dgm:txFillClrLst/>
+    <dgm:txEffectClrLst/>
+  </dgm:styleLbl>
+  <dgm:styleLbl name="asst4">
+    <dgm:fillClrLst>
+      <a:schemeClr val="accent3"/>
+    </dgm:fillClrLst>
+    <dgm:linClrLst meth="repeat">
+      <a:schemeClr val="lt1"/>
+    </dgm:linClrLst>
+    <dgm:effectClrLst/>
+    <dgm:txLinClrLst/>
+    <dgm:txFillClrLst/>
+    <dgm:txEffectClrLst/>
+  </dgm:styleLbl>
+  <dgm:styleLbl name="parChTrans2D1">
+    <dgm:fillClrLst meth="repeat">
+      <a:schemeClr val="accent5"/>
+    </dgm:fillClrLst>
+    <dgm:linClrLst meth="repeat">
+      <a:schemeClr val="lt1"/>
+    </dgm:linClrLst>
+    <dgm:effectClrLst/>
+    <dgm:txLinClrLst/>
+    <dgm:txFillClrLst meth="repeat">
+      <a:schemeClr val="lt1"/>
+    </dgm:txFillClrLst>
+    <dgm:txEffectClrLst/>
+  </dgm:styleLbl>
+  <dgm:styleLbl name="parChTrans2D2">
+    <dgm:fillClrLst meth="repeat">
+      <a:schemeClr val="accent6"/>
+    </dgm:fillClrLst>
+    <dgm:linClrLst meth="repeat">
+      <a:schemeClr val="lt1"/>
+    </dgm:linClrLst>
+    <dgm:effectClrLst/>
+    <dgm:txLinClrLst/>
+    <dgm:txFillClrLst/>
+    <dgm:txEffectClrLst/>
+  </dgm:styleLbl>
+  <dgm:styleLbl name="parChTrans2D3">
+    <dgm:fillClrLst meth="repeat">
+      <a:schemeClr val="accent6"/>
+    </dgm:fillClrLst>
+    <dgm:linClrLst meth="repeat">
+      <a:schemeClr val="lt1"/>
+    </dgm:linClrLst>
+    <dgm:effectClrLst/>
+    <dgm:txLinClrLst/>
+    <dgm:txFillClrLst/>
+    <dgm:txEffectClrLst/>
+  </dgm:styleLbl>
+  <dgm:styleLbl name="parChTrans2D4">
+    <dgm:fillClrLst meth="repeat">
+      <a:schemeClr val="accent1"/>
+    </dgm:fillClrLst>
+    <dgm:linClrLst meth="repeat">
+      <a:schemeClr val="lt1"/>
+    </dgm:linClrLst>
+    <dgm:effectClrLst/>
+    <dgm:txLinClrLst/>
+    <dgm:txFillClrLst meth="repeat">
+      <a:schemeClr val="lt1"/>
+    </dgm:txFillClrLst>
+    <dgm:txEffectClrLst/>
+  </dgm:styleLbl>
+  <dgm:styleLbl name="parChTrans1D1">
+    <dgm:fillClrLst meth="repeat">
+      <a:schemeClr val="accent5"/>
+    </dgm:fillClrLst>
+    <dgm:linClrLst meth="repeat">
+      <a:schemeClr val="accent5"/>
+    </dgm:linClrLst>
+    <dgm:effectClrLst/>
+    <dgm:txLinClrLst/>
+    <dgm:txFillClrLst meth="repeat">
+      <a:schemeClr val="tx1"/>
+    </dgm:txFillClrLst>
+    <dgm:txEffectClrLst/>
+  </dgm:styleLbl>
+  <dgm:styleLbl name="parChTrans1D2">
+    <dgm:fillClrLst meth="repeat">
+      <a:schemeClr val="accent6">
+        <a:tint val="90000"/>
+      </a:schemeClr>
+    </dgm:fillClrLst>
+    <dgm:linClrLst meth="repeat">
+      <a:schemeClr val="accent6"/>
+    </dgm:linClrLst>
+    <dgm:effectClrLst/>
+    <dgm:txLinClrLst/>
+    <dgm:txFillClrLst meth="repeat">
+      <a:schemeClr val="tx1"/>
+    </dgm:txFillClrLst>
+    <dgm:txEffectClrLst/>
+  </dgm:styleLbl>
+  <dgm:styleLbl name="parChTrans1D3">
+    <dgm:fillClrLst meth="repeat">
+      <a:schemeClr val="accent6">
+        <a:tint val="70000"/>
+      </a:schemeClr>
+    </dgm:fillClrLst>
+    <dgm:linClrLst meth="repeat">
+      <a:schemeClr val="accent1"/>
+    </dgm:linClrLst>
+    <dgm:effectClrLst/>
+    <dgm:txLinClrLst/>
+    <dgm:txFillClrLst meth="repeat">
+      <a:schemeClr val="tx1"/>
+    </dgm:txFillClrLst>
+    <dgm:txEffectClrLst/>
+  </dgm:styleLbl>
+  <dgm:styleLbl name="parChTrans1D4">
+    <dgm:fillClrLst meth="repeat">
+      <a:schemeClr val="accent6">
+        <a:tint val="50000"/>
+      </a:schemeClr>
+    </dgm:fillClrLst>
+    <dgm:linClrLst meth="repeat">
+      <a:schemeClr val="accent2"/>
+    </dgm:linClrLst>
+    <dgm:effectClrLst/>
+    <dgm:txLinClrLst/>
+    <dgm:txFillClrLst meth="repeat">
+      <a:schemeClr val="tx1"/>
+    </dgm:txFillClrLst>
+    <dgm:txEffectClrLst/>
+  </dgm:styleLbl>
+  <dgm:styleLbl name="fgAcc1">
+    <dgm:fillClrLst meth="repeat">
+      <a:schemeClr val="lt1">
+        <a:alpha val="90000"/>
+      </a:schemeClr>
+    </dgm:fillClrLst>
+    <dgm:linClrLst>
+      <a:schemeClr val="accent5"/>
+      <a:schemeClr val="accent6"/>
+    </dgm:linClrLst>
+    <dgm:effectClrLst/>
+    <dgm:txLinClrLst/>
+    <dgm:txFillClrLst meth="repeat">
+      <a:schemeClr val="dk1"/>
+    </dgm:txFillClrLst>
+    <dgm:txEffectClrLst/>
+  </dgm:styleLbl>
+  <dgm:styleLbl name="conFgAcc1">
+    <dgm:fillClrLst meth="repeat">
+      <a:schemeClr val="lt1">
+        <a:alpha val="90000"/>
+      </a:schemeClr>
+    </dgm:fillClrLst>
+    <dgm:linClrLst>
+      <a:schemeClr val="accent5"/>
+      <a:schemeClr val="accent6"/>
+    </dgm:linClrLst>
+    <dgm:effectClrLst/>
+    <dgm:txLinClrLst/>
+    <dgm:txFillClrLst meth="repeat">
+      <a:schemeClr val="dk1"/>
+    </dgm:txFillClrLst>
+    <dgm:txEffectClrLst/>
+  </dgm:styleLbl>
+  <dgm:styleLbl name="alignAcc1">
+    <dgm:fillClrLst meth="repeat">
+      <a:schemeClr val="lt1">
+        <a:alpha val="90000"/>
+      </a:schemeClr>
+    </dgm:fillClrLst>
+    <dgm:linClrLst>
+      <a:schemeClr val="accent5"/>
+      <a:schemeClr val="accent6"/>
+    </dgm:linClrLst>
+    <dgm:effectClrLst/>
+    <dgm:txLinClrLst/>
+    <dgm:txFillClrLst meth="repeat">
+      <a:schemeClr val="dk1"/>
+    </dgm:txFillClrLst>
+    <dgm:txEffectClrLst/>
+  </dgm:styleLbl>
+  <dgm:styleLbl name="trAlignAcc1">
+    <dgm:fillClrLst meth="repeat">
+      <a:schemeClr val="lt1">
+        <a:alpha val="40000"/>
+      </a:schemeClr>
+    </dgm:fillClrLst>
+    <dgm:linClrLst meth="repeat">
+      <a:schemeClr val="accent5"/>
+    </dgm:linClrLst>
+    <dgm:effectClrLst/>
+    <dgm:txLinClrLst/>
+    <dgm:txFillClrLst meth="repeat">
+      <a:schemeClr val="dk1"/>
+    </dgm:txFillClrLst>
+    <dgm:txEffectClrLst/>
+  </dgm:styleLbl>
+  <dgm:styleLbl name="bgAcc1">
+    <dgm:fillClrLst meth="repeat">
+      <a:schemeClr val="lt1">
+        <a:alpha val="90000"/>
+      </a:schemeClr>
+    </dgm:fillClrLst>
+    <dgm:linClrLst>
+      <a:schemeClr val="accent5"/>
+      <a:schemeClr val="accent6"/>
+    </dgm:linClrLst>
+    <dgm:effectClrLst/>
+    <dgm:txLinClrLst/>
+    <dgm:txFillClrLst meth="repeat">
+      <a:schemeClr val="dk1"/>
+    </dgm:txFillClrLst>
+    <dgm:txEffectClrLst/>
+  </dgm:styleLbl>
+  <dgm:styleLbl name="solidFgAcc1">
+    <dgm:fillClrLst meth="repeat">
+      <a:schemeClr val="lt1"/>
+    </dgm:fillClrLst>
+    <dgm:linClrLst>
+      <a:schemeClr val="accent5"/>
+      <a:schemeClr val="accent6"/>
+    </dgm:linClrLst>
+    <dgm:effectClrLst/>
+    <dgm:txLinClrLst/>
+    <dgm:txFillClrLst meth="repeat">
+      <a:schemeClr val="dk1"/>
+    </dgm:txFillClrLst>
+    <dgm:txEffectClrLst/>
+  </dgm:styleLbl>
+  <dgm:styleLbl name="solidAlignAcc1">
+    <dgm:fillClrLst meth="repeat">
+      <a:schemeClr val="lt1"/>
+    </dgm:fillClrLst>
+    <dgm:linClrLst>
+      <a:schemeClr val="accent5"/>
+      <a:schemeClr val="accent6"/>
+    </dgm:linClrLst>
+    <dgm:effectClrLst/>
+    <dgm:txLinClrLst/>
+    <dgm:txFillClrLst meth="repeat">
+      <a:schemeClr val="dk1"/>
+    </dgm:txFillClrLst>
+    <dgm:txEffectClrLst/>
+  </dgm:styleLbl>
+  <dgm:styleLbl name="solidBgAcc1">
+    <dgm:fillClrLst meth="repeat">
+      <a:schemeClr val="lt1"/>
+    </dgm:fillClrLst>
+    <dgm:linClrLst>
+      <a:schemeClr val="accent5"/>
+      <a:schemeClr val="accent6"/>
+    </dgm:linClrLst>
+    <dgm:effectClrLst/>
+    <dgm:txLinClrLst/>
+    <dgm:txFillClrLst meth="repeat">
+      <a:schemeClr val="dk1"/>
+    </dgm:txFillClrLst>
+    <dgm:txEffectClrLst/>
+  </dgm:styleLbl>
+  <dgm:styleLbl name="fgAccFollowNode1">
+    <dgm:fillClrLst>
+      <a:schemeClr val="accent5">
+        <a:tint val="40000"/>
+        <a:alpha val="90000"/>
+      </a:schemeClr>
+      <a:schemeClr val="accent6">
+        <a:tint val="40000"/>
+        <a:alpha val="90000"/>
+      </a:schemeClr>
+    </dgm:fillClrLst>
+    <dgm:linClrLst>
+      <a:schemeClr val="accent5">
+        <a:tint val="40000"/>
+        <a:alpha val="90000"/>
+      </a:schemeClr>
+      <a:schemeClr val="accent5">
+        <a:tint val="40000"/>
+        <a:alpha val="90000"/>
+      </a:schemeClr>
+    </dgm:linClrLst>
+    <dgm:effectClrLst/>
+    <dgm:txLinClrLst/>
+    <dgm:txFillClrLst meth="repeat">
+      <a:schemeClr val="dk1"/>
+    </dgm:txFillClrLst>
+    <dgm:txEffectClrLst/>
+  </dgm:styleLbl>
+  <dgm:styleLbl name="alignAccFollowNode1">
+    <dgm:fillClrLst>
+      <a:schemeClr val="accent5">
+        <a:tint val="40000"/>
+        <a:alpha val="90000"/>
+      </a:schemeClr>
+      <a:schemeClr val="accent6">
+        <a:tint val="40000"/>
+        <a:alpha val="90000"/>
+      </a:schemeClr>
+    </dgm:fillClrLst>
+    <dgm:linClrLst>
+      <a:schemeClr val="accent5">
+        <a:tint val="40000"/>
+        <a:alpha val="90000"/>
+      </a:schemeClr>
+      <a:schemeClr val="accent6">
+        <a:tint val="40000"/>
+        <a:alpha val="90000"/>
+      </a:schemeClr>
+    </dgm:linClrLst>
+    <dgm:effectClrLst/>
+    <dgm:txLinClrLst/>
+    <dgm:txFillClrLst meth="repeat">
+      <a:schemeClr val="dk1"/>
+    </dgm:txFillClrLst>
+    <dgm:txEffectClrLst/>
+  </dgm:styleLbl>
+  <dgm:styleLbl name="bgAccFollowNode1">
+    <dgm:fillClrLst>
+      <a:schemeClr val="accent5">
+        <a:tint val="40000"/>
+        <a:alpha val="90000"/>
+      </a:schemeClr>
+      <a:schemeClr val="accent6">
+        <a:tint val="40000"/>
+        <a:alpha val="90000"/>
+      </a:schemeClr>
+    </dgm:fillClrLst>
+    <dgm:linClrLst>
+      <a:schemeClr val="accent5">
+        <a:tint val="40000"/>
+        <a:alpha val="90000"/>
+      </a:schemeClr>
+      <a:schemeClr val="accent6">
+        <a:tint val="40000"/>
+        <a:alpha val="90000"/>
+      </a:schemeClr>
+    </dgm:linClrLst>
+    <dgm:effectClrLst/>
+    <dgm:txLinClrLst/>
+    <dgm:txFillClrLst meth="repeat">
+      <a:schemeClr val="dk1"/>
+    </dgm:txFillClrLst>
+    <dgm:txEffectClrLst/>
+  </dgm:styleLbl>
+  <dgm:styleLbl name="fgAcc0">
+    <dgm:fillClrLst meth="repeat">
+      <a:schemeClr val="lt1">
+        <a:alpha val="90000"/>
+      </a:schemeClr>
+    </dgm:fillClrLst>
+    <dgm:linClrLst>
+      <a:schemeClr val="accent4"/>
+    </dgm:linClrLst>
+    <dgm:effectClrLst/>
+    <dgm:txLinClrLst/>
+    <dgm:txFillClrLst meth="repeat">
+      <a:schemeClr val="dk1"/>
+    </dgm:txFillClrLst>
+    <dgm:txEffectClrLst/>
+  </dgm:styleLbl>
+  <dgm:styleLbl name="fgAcc2">
+    <dgm:fillClrLst meth="repeat">
+      <a:schemeClr val="lt1">
+        <a:alpha val="90000"/>
+      </a:schemeClr>
+    </dgm:fillClrLst>
+    <dgm:linClrLst>
+      <a:schemeClr val="accent6"/>
+    </dgm:linClrLst>
+    <dgm:effectClrLst/>
+    <dgm:txLinClrLst/>
+    <dgm:txFillClrLst meth="repeat">
+      <a:schemeClr val="dk1"/>
+    </dgm:txFillClrLst>
+    <dgm:txEffectClrLst/>
+  </dgm:styleLbl>
+  <dgm:styleLbl name="fgAcc3">
+    <dgm:fillClrLst meth="repeat">
+      <a:schemeClr val="lt1">
+        <a:alpha val="90000"/>
+      </a:schemeClr>
+    </dgm:fillClrLst>
+    <dgm:linClrLst>
+      <a:schemeClr val="accent1"/>
+    </dgm:linClrLst>
+    <dgm:effectClrLst/>
+    <dgm:txLinClrLst/>
+    <dgm:txFillClrLst meth="repeat">
+      <a:schemeClr val="dk1"/>
+    </dgm:txFillClrLst>
+    <dgm:txEffectClrLst/>
+  </dgm:styleLbl>
+  <dgm:styleLbl name="fgAcc4">
+    <dgm:fillClrLst meth="repeat">
+      <a:schemeClr val="lt1">
+        <a:alpha val="90000"/>
+      </a:schemeClr>
+    </dgm:fillClrLst>
+    <dgm:linClrLst>
+      <a:schemeClr val="accent2"/>
+    </dgm:linClrLst>
+    <dgm:effectClrLst/>
+    <dgm:txLinClrLst/>
+    <dgm:txFillClrLst meth="repeat">
+      <a:schemeClr val="dk1"/>
+    </dgm:txFillClrLst>
+    <dgm:txEffectClrLst/>
+  </dgm:styleLbl>
+  <dgm:styleLbl name="bgShp">
+    <dgm:fillClrLst meth="repeat">
+      <a:schemeClr val="bg1">
+        <a:lumMod val="95000"/>
+      </a:schemeClr>
+    </dgm:fillClrLst>
+    <dgm:linClrLst meth="repeat">
+      <a:schemeClr val="dk1"/>
+    </dgm:linClrLst>
+    <dgm:effectClrLst/>
+    <dgm:txLinClrLst/>
+    <dgm:txFillClrLst meth="repeat">
+      <a:schemeClr val="dk1"/>
+    </dgm:txFillClrLst>
+    <dgm:txEffectClrLst/>
+  </dgm:styleLbl>
+  <dgm:styleLbl name="dkBgShp">
+    <dgm:fillClrLst meth="repeat">
+      <a:schemeClr val="accent5">
+        <a:shade val="90000"/>
+      </a:schemeClr>
+    </dgm:fillClrLst>
+    <dgm:linClrLst meth="repeat">
+      <a:schemeClr val="dk1"/>
+    </dgm:linClrLst>
+    <dgm:effectClrLst/>
+    <dgm:txLinClrLst/>
+    <dgm:txFillClrLst meth="repeat">
+      <a:schemeClr val="lt1"/>
+    </dgm:txFillClrLst>
+    <dgm:txEffectClrLst/>
+  </dgm:styleLbl>
+  <dgm:styleLbl name="trBgShp">
+    <dgm:fillClrLst meth="repeat">
+      <a:schemeClr val="accent5">
+        <a:tint val="50000"/>
+        <a:alpha val="40000"/>
+      </a:schemeClr>
+    </dgm:fillClrLst>
+    <dgm:linClrLst meth="repeat">
+      <a:schemeClr val="accent5"/>
+    </dgm:linClrLst>
+    <dgm:effectClrLst/>
+    <dgm:txLinClrLst/>
+    <dgm:txFillClrLst meth="repeat">
+      <a:schemeClr val="lt1"/>
+    </dgm:txFillClrLst>
+    <dgm:txEffectClrLst/>
+  </dgm:styleLbl>
+  <dgm:styleLbl name="fgShp">
+    <dgm:fillClrLst meth="repeat">
+      <a:schemeClr val="accent5">
+        <a:tint val="40000"/>
+      </a:schemeClr>
+    </dgm:fillClrLst>
+    <dgm:linClrLst meth="repeat">
+      <a:schemeClr val="lt1"/>
+    </dgm:linClrLst>
+    <dgm:effectClrLst/>
+    <dgm:txLinClrLst/>
+    <dgm:txFillClrLst meth="repeat">
+      <a:schemeClr val="dk1"/>
+    </dgm:txFillClrLst>
+    <dgm:txEffectClrLst/>
+  </dgm:styleLbl>
+  <dgm:styleLbl name="revTx">
+    <dgm:fillClrLst meth="repeat">
+      <a:schemeClr val="lt1">
+        <a:alpha val="0"/>
+      </a:schemeClr>
+    </dgm:fillClrLst>
+    <dgm:linClrLst meth="repeat">
+      <a:schemeClr val="dk1">
+        <a:alpha val="0"/>
+      </a:schemeClr>
+    </dgm:linClrLst>
+    <dgm:effectClrLst/>
+    <dgm:txLinClrLst/>
+    <dgm:txFillClrLst meth="repeat">
+      <a:schemeClr val="tx1"/>
+    </dgm:txFillClrLst>
+    <dgm:txEffectClrLst/>
+  </dgm:styleLbl>
+</dgm:colorsDef>
+</file>
+
+<file path=ppt/diagrams/data1.xml><?xml version="1.0" encoding="utf-8"?>
+<dgm:dataModel xmlns:dgm="http://schemas.openxmlformats.org/drawingml/2006/diagram" xmlns:a="http://schemas.openxmlformats.org/drawingml/2006/main">
+  <dgm:ptLst>
+    <dgm:pt modelId="{E97479EF-C642-47EB-ADEE-B406BCB5721F}" type="doc">
+      <dgm:prSet loTypeId="urn:microsoft.com/office/officeart/2018/2/layout/IconVerticalSolidList" loCatId="icon" qsTypeId="urn:microsoft.com/office/officeart/2005/8/quickstyle/simple1" qsCatId="simple" csTypeId="urn:microsoft.com/office/officeart/2018/5/colors/Iconchunking_neutralbg_colorful5" csCatId="colorful" phldr="1"/>
+      <dgm:spPr/>
+      <dgm:t>
+        <a:bodyPr/>
+        <a:lstStyle/>
+        <a:p>
+          <a:endParaRPr lang="en-US"/>
+        </a:p>
+      </dgm:t>
+    </dgm:pt>
+    <dgm:pt modelId="{CFD8E407-37F3-4787-9E68-9CB3E4175493}">
+      <dgm:prSet/>
+      <dgm:spPr/>
+      <dgm:t>
+        <a:bodyPr/>
+        <a:lstStyle/>
+        <a:p>
+          <a:r>
+            <a:rPr lang="en-US"/>
+            <a:t>Description</a:t>
+          </a:r>
+        </a:p>
+      </dgm:t>
+    </dgm:pt>
+    <dgm:pt modelId="{7BBAF98A-B8EF-4FA0-AA30-E39053B7FBFD}" type="parTrans" cxnId="{7F33C3F6-FB53-4A17-9621-82D5B8B01C38}">
+      <dgm:prSet/>
+      <dgm:spPr/>
+      <dgm:t>
+        <a:bodyPr/>
+        <a:lstStyle/>
+        <a:p>
+          <a:endParaRPr lang="en-US"/>
+        </a:p>
+      </dgm:t>
+    </dgm:pt>
+    <dgm:pt modelId="{E63F18FD-D0F0-45E2-9E33-BDCE0FB03C4C}" type="sibTrans" cxnId="{7F33C3F6-FB53-4A17-9621-82D5B8B01C38}">
+      <dgm:prSet/>
+      <dgm:spPr/>
+      <dgm:t>
+        <a:bodyPr/>
+        <a:lstStyle/>
+        <a:p>
+          <a:endParaRPr lang="en-US"/>
+        </a:p>
+      </dgm:t>
+    </dgm:pt>
+    <dgm:pt modelId="{7DAFC185-82F1-471E-8CCB-F9D31C624F48}">
+      <dgm:prSet/>
+      <dgm:spPr/>
+      <dgm:t>
+        <a:bodyPr/>
+        <a:lstStyle/>
+        <a:p>
+          <a:r>
+            <a:rPr lang="en-US"/>
+            <a:t>Implementation</a:t>
+          </a:r>
+        </a:p>
+      </dgm:t>
+    </dgm:pt>
+    <dgm:pt modelId="{DF3B0FD2-4101-48B2-BA99-7393D70E5735}" type="parTrans" cxnId="{3A73F44C-98A8-454D-AD5E-BAFF601ACB03}">
+      <dgm:prSet/>
+      <dgm:spPr/>
+      <dgm:t>
+        <a:bodyPr/>
+        <a:lstStyle/>
+        <a:p>
+          <a:endParaRPr lang="en-US"/>
+        </a:p>
+      </dgm:t>
+    </dgm:pt>
+    <dgm:pt modelId="{C8C31E53-A7B0-49FF-BB89-FE614B44D785}" type="sibTrans" cxnId="{3A73F44C-98A8-454D-AD5E-BAFF601ACB03}">
+      <dgm:prSet/>
+      <dgm:spPr/>
+      <dgm:t>
+        <a:bodyPr/>
+        <a:lstStyle/>
+        <a:p>
+          <a:endParaRPr lang="en-US"/>
+        </a:p>
+      </dgm:t>
+    </dgm:pt>
+    <dgm:pt modelId="{9E4EAB20-2687-4B9F-A02A-4E111544712C}">
+      <dgm:prSet/>
+      <dgm:spPr/>
+      <dgm:t>
+        <a:bodyPr/>
+        <a:lstStyle/>
+        <a:p>
+          <a:r>
+            <a:rPr lang="en-US"/>
+            <a:t>Kitchen system</a:t>
+          </a:r>
+        </a:p>
+      </dgm:t>
+    </dgm:pt>
+    <dgm:pt modelId="{A9D21DD2-4126-4D00-8E41-C94C404FFBD0}" type="parTrans" cxnId="{B5E56531-028C-4CEC-8E04-5358CF298425}">
+      <dgm:prSet/>
+      <dgm:spPr/>
+      <dgm:t>
+        <a:bodyPr/>
+        <a:lstStyle/>
+        <a:p>
+          <a:endParaRPr lang="en-US"/>
+        </a:p>
+      </dgm:t>
+    </dgm:pt>
+    <dgm:pt modelId="{A393D2EE-4A5D-4736-9470-8E80C7A6E4F9}" type="sibTrans" cxnId="{B5E56531-028C-4CEC-8E04-5358CF298425}">
+      <dgm:prSet/>
+      <dgm:spPr/>
+      <dgm:t>
+        <a:bodyPr/>
+        <a:lstStyle/>
+        <a:p>
+          <a:endParaRPr lang="en-US"/>
+        </a:p>
+      </dgm:t>
+    </dgm:pt>
+    <dgm:pt modelId="{1D587767-41BB-4248-86CC-34CDC06345DA}">
+      <dgm:prSet/>
+      <dgm:spPr/>
+      <dgm:t>
+        <a:bodyPr/>
+        <a:lstStyle/>
+        <a:p>
+          <a:r>
+            <a:rPr lang="en-US"/>
+            <a:t>Door/living room system</a:t>
+          </a:r>
+        </a:p>
+      </dgm:t>
+    </dgm:pt>
+    <dgm:pt modelId="{A8323933-FA90-4586-8CC7-337997EEDE01}" type="parTrans" cxnId="{FA1C4C1D-7C8C-424F-AD27-B788586C988B}">
+      <dgm:prSet/>
+      <dgm:spPr/>
+      <dgm:t>
+        <a:bodyPr/>
+        <a:lstStyle/>
+        <a:p>
+          <a:endParaRPr lang="en-US"/>
+        </a:p>
+      </dgm:t>
+    </dgm:pt>
+    <dgm:pt modelId="{C500D7A2-67E6-4A58-B22B-F7E44B49E8D5}" type="sibTrans" cxnId="{FA1C4C1D-7C8C-424F-AD27-B788586C988B}">
+      <dgm:prSet/>
+      <dgm:spPr/>
+      <dgm:t>
+        <a:bodyPr/>
+        <a:lstStyle/>
+        <a:p>
+          <a:endParaRPr lang="en-US"/>
+        </a:p>
+      </dgm:t>
+    </dgm:pt>
+    <dgm:pt modelId="{981F496D-928D-4E5B-BBF3-DE0886701CA7}">
+      <dgm:prSet/>
+      <dgm:spPr/>
+      <dgm:t>
+        <a:bodyPr/>
+        <a:lstStyle/>
+        <a:p>
+          <a:r>
+            <a:rPr lang="en-US"/>
+            <a:t>Administrator system</a:t>
+          </a:r>
+        </a:p>
+      </dgm:t>
+    </dgm:pt>
+    <dgm:pt modelId="{468292FB-50BD-444E-B6A7-EDEFA4CDACE6}" type="parTrans" cxnId="{0409B25C-D7C2-4371-BFC1-6480CE1B26C1}">
+      <dgm:prSet/>
+      <dgm:spPr/>
+      <dgm:t>
+        <a:bodyPr/>
+        <a:lstStyle/>
+        <a:p>
+          <a:endParaRPr lang="en-US"/>
+        </a:p>
+      </dgm:t>
+    </dgm:pt>
+    <dgm:pt modelId="{D35E202A-809F-4D93-A55F-B1E48885B26C}" type="sibTrans" cxnId="{0409B25C-D7C2-4371-BFC1-6480CE1B26C1}">
+      <dgm:prSet/>
+      <dgm:spPr/>
+      <dgm:t>
+        <a:bodyPr/>
+        <a:lstStyle/>
+        <a:p>
+          <a:endParaRPr lang="en-US"/>
+        </a:p>
+      </dgm:t>
+    </dgm:pt>
+    <dgm:pt modelId="{3743631D-8D42-4D1B-B4CF-821597B10097}">
+      <dgm:prSet/>
+      <dgm:spPr/>
+      <dgm:t>
+        <a:bodyPr/>
+        <a:lstStyle/>
+        <a:p>
+          <a:r>
+            <a:rPr lang="en-US"/>
+            <a:t>questions</a:t>
+          </a:r>
+        </a:p>
+      </dgm:t>
+    </dgm:pt>
+    <dgm:pt modelId="{93999708-FDDA-493F-8DAB-D3117ED52977}" type="parTrans" cxnId="{E3A66280-E1BF-4828-A046-8FBA79A40304}">
+      <dgm:prSet/>
+      <dgm:spPr/>
+      <dgm:t>
+        <a:bodyPr/>
+        <a:lstStyle/>
+        <a:p>
+          <a:endParaRPr lang="en-US"/>
+        </a:p>
+      </dgm:t>
+    </dgm:pt>
+    <dgm:pt modelId="{174353EA-FEA8-498C-9540-DFE856ED61E9}" type="sibTrans" cxnId="{E3A66280-E1BF-4828-A046-8FBA79A40304}">
+      <dgm:prSet/>
+      <dgm:spPr/>
+      <dgm:t>
+        <a:bodyPr/>
+        <a:lstStyle/>
+        <a:p>
+          <a:endParaRPr lang="en-US"/>
+        </a:p>
+      </dgm:t>
+    </dgm:pt>
+    <dgm:pt modelId="{9E257A35-9E60-448A-8723-F746E256FBF0}" type="pres">
+      <dgm:prSet presAssocID="{E97479EF-C642-47EB-ADEE-B406BCB5721F}" presName="root" presStyleCnt="0">
+        <dgm:presLayoutVars>
+          <dgm:dir/>
+          <dgm:resizeHandles val="exact"/>
+        </dgm:presLayoutVars>
+      </dgm:prSet>
+      <dgm:spPr/>
+    </dgm:pt>
+    <dgm:pt modelId="{19EA941A-C2B7-4CC2-8229-D9F0D269E50D}" type="pres">
+      <dgm:prSet presAssocID="{CFD8E407-37F3-4787-9E68-9CB3E4175493}" presName="compNode" presStyleCnt="0"/>
+      <dgm:spPr/>
+    </dgm:pt>
+    <dgm:pt modelId="{06B730EF-EDBE-4930-8A9A-0C93DD3D284A}" type="pres">
+      <dgm:prSet presAssocID="{CFD8E407-37F3-4787-9E68-9CB3E4175493}" presName="bgRect" presStyleLbl="bgShp" presStyleIdx="0" presStyleCnt="6"/>
+      <dgm:spPr/>
+    </dgm:pt>
+    <dgm:pt modelId="{C13F1592-90F3-4A80-93F6-B1C3F854D038}" type="pres">
+      <dgm:prSet presAssocID="{CFD8E407-37F3-4787-9E68-9CB3E4175493}" presName="iconRect" presStyleLbl="node1" presStyleIdx="0" presStyleCnt="6"/>
+      <dgm:spPr>
+        <a:blipFill>
+          <a:blip xmlns:r="http://schemas.openxmlformats.org/officeDocument/2006/relationships" r:embed="rId1">
+            <a:extLst>
+              <a:ext uri="{28A0092B-C50C-407E-A947-70E740481C1C}">
+                <a14:useLocalDpi xmlns:a14="http://schemas.microsoft.com/office/drawing/2010/main" val="0"/>
+              </a:ext>
+              <a:ext uri="{96DAC541-7B7A-43D3-8B79-37D633B846F1}">
+                <asvg:svgBlip xmlns:asvg="http://schemas.microsoft.com/office/drawing/2016/SVG/main" r:embed="rId2"/>
+              </a:ext>
+            </a:extLst>
+          </a:blip>
+          <a:stretch>
+            <a:fillRect/>
+          </a:stretch>
+        </a:blipFill>
+        <a:ln>
+          <a:noFill/>
+        </a:ln>
+      </dgm:spPr>
+      <dgm:extLst>
+        <a:ext uri="{E40237B7-FDA0-4F09-8148-C483321AD2D9}">
+          <dgm14:cNvPr xmlns:dgm14="http://schemas.microsoft.com/office/drawing/2010/diagram" id="0" name="" descr="Document"/>
+        </a:ext>
+      </dgm:extLst>
+    </dgm:pt>
+    <dgm:pt modelId="{08472B94-8D41-4EC1-888E-B4058423282A}" type="pres">
+      <dgm:prSet presAssocID="{CFD8E407-37F3-4787-9E68-9CB3E4175493}" presName="spaceRect" presStyleCnt="0"/>
+      <dgm:spPr/>
+    </dgm:pt>
+    <dgm:pt modelId="{DA1ABB28-0207-4B64-9767-613B9788C690}" type="pres">
+      <dgm:prSet presAssocID="{CFD8E407-37F3-4787-9E68-9CB3E4175493}" presName="parTx" presStyleLbl="revTx" presStyleIdx="0" presStyleCnt="6">
+        <dgm:presLayoutVars>
+          <dgm:chMax val="0"/>
+          <dgm:chPref val="0"/>
+        </dgm:presLayoutVars>
+      </dgm:prSet>
+      <dgm:spPr/>
+    </dgm:pt>
+    <dgm:pt modelId="{CA210855-995F-4A73-A2DC-A14380911969}" type="pres">
+      <dgm:prSet presAssocID="{E63F18FD-D0F0-45E2-9E33-BDCE0FB03C4C}" presName="sibTrans" presStyleCnt="0"/>
+      <dgm:spPr/>
+    </dgm:pt>
+    <dgm:pt modelId="{156BE6A5-0A79-4CD4-8B4B-AA7A30E20B47}" type="pres">
+      <dgm:prSet presAssocID="{7DAFC185-82F1-471E-8CCB-F9D31C624F48}" presName="compNode" presStyleCnt="0"/>
+      <dgm:spPr/>
+    </dgm:pt>
+    <dgm:pt modelId="{ACF27FAB-8782-4746-85E8-0C497C0E0737}" type="pres">
+      <dgm:prSet presAssocID="{7DAFC185-82F1-471E-8CCB-F9D31C624F48}" presName="bgRect" presStyleLbl="bgShp" presStyleIdx="1" presStyleCnt="6"/>
+      <dgm:spPr/>
+    </dgm:pt>
+    <dgm:pt modelId="{FC7DB680-F767-4000-A93C-D827B2280E47}" type="pres">
+      <dgm:prSet presAssocID="{7DAFC185-82F1-471E-8CCB-F9D31C624F48}" presName="iconRect" presStyleLbl="node1" presStyleIdx="1" presStyleCnt="6"/>
+      <dgm:spPr>
+        <a:blipFill>
+          <a:blip xmlns:r="http://schemas.openxmlformats.org/officeDocument/2006/relationships" r:embed="rId3">
+            <a:extLst>
+              <a:ext uri="{28A0092B-C50C-407E-A947-70E740481C1C}">
+                <a14:useLocalDpi xmlns:a14="http://schemas.microsoft.com/office/drawing/2010/main" val="0"/>
+              </a:ext>
+              <a:ext uri="{96DAC541-7B7A-43D3-8B79-37D633B846F1}">
+                <asvg:svgBlip xmlns:asvg="http://schemas.microsoft.com/office/drawing/2016/SVG/main" r:embed="rId4"/>
+              </a:ext>
+            </a:extLst>
+          </a:blip>
+          <a:stretch>
+            <a:fillRect/>
+          </a:stretch>
+        </a:blipFill>
+        <a:ln>
+          <a:noFill/>
+        </a:ln>
+      </dgm:spPr>
+      <dgm:extLst>
+        <a:ext uri="{E40237B7-FDA0-4F09-8148-C483321AD2D9}">
+          <dgm14:cNvPr xmlns:dgm14="http://schemas.microsoft.com/office/drawing/2010/diagram" id="0" name="" descr="Arrow Circle"/>
+        </a:ext>
+      </dgm:extLst>
+    </dgm:pt>
+    <dgm:pt modelId="{63E7EBFB-E512-44A9-A630-204B4EBDDE14}" type="pres">
+      <dgm:prSet presAssocID="{7DAFC185-82F1-471E-8CCB-F9D31C624F48}" presName="spaceRect" presStyleCnt="0"/>
+      <dgm:spPr/>
+    </dgm:pt>
+    <dgm:pt modelId="{B1AD6E88-DFE8-4B46-BF05-A7BD4C5FD0E6}" type="pres">
+      <dgm:prSet presAssocID="{7DAFC185-82F1-471E-8CCB-F9D31C624F48}" presName="parTx" presStyleLbl="revTx" presStyleIdx="1" presStyleCnt="6">
+        <dgm:presLayoutVars>
+          <dgm:chMax val="0"/>
+          <dgm:chPref val="0"/>
+        </dgm:presLayoutVars>
+      </dgm:prSet>
+      <dgm:spPr/>
+    </dgm:pt>
+    <dgm:pt modelId="{465FC215-3A92-40D4-8E54-577046ABB12A}" type="pres">
+      <dgm:prSet presAssocID="{C8C31E53-A7B0-49FF-BB89-FE614B44D785}" presName="sibTrans" presStyleCnt="0"/>
+      <dgm:spPr/>
+    </dgm:pt>
+    <dgm:pt modelId="{CF5E52AF-7096-43DB-8834-ABA87E6FDE33}" type="pres">
+      <dgm:prSet presAssocID="{9E4EAB20-2687-4B9F-A02A-4E111544712C}" presName="compNode" presStyleCnt="0"/>
+      <dgm:spPr/>
+    </dgm:pt>
+    <dgm:pt modelId="{30459867-26AA-40A0-B16F-88440B7682CC}" type="pres">
+      <dgm:prSet presAssocID="{9E4EAB20-2687-4B9F-A02A-4E111544712C}" presName="bgRect" presStyleLbl="bgShp" presStyleIdx="2" presStyleCnt="6"/>
+      <dgm:spPr/>
+    </dgm:pt>
+    <dgm:pt modelId="{EAB55B68-1C86-44CC-8279-75F78C1DDD85}" type="pres">
+      <dgm:prSet presAssocID="{9E4EAB20-2687-4B9F-A02A-4E111544712C}" presName="iconRect" presStyleLbl="node1" presStyleIdx="2" presStyleCnt="6"/>
+      <dgm:spPr>
+        <a:blipFill>
+          <a:blip xmlns:r="http://schemas.openxmlformats.org/officeDocument/2006/relationships" r:embed="rId5">
+            <a:extLst>
+              <a:ext uri="{28A0092B-C50C-407E-A947-70E740481C1C}">
+                <a14:useLocalDpi xmlns:a14="http://schemas.microsoft.com/office/drawing/2010/main" val="0"/>
+              </a:ext>
+              <a:ext uri="{96DAC541-7B7A-43D3-8B79-37D633B846F1}">
+                <asvg:svgBlip xmlns:asvg="http://schemas.microsoft.com/office/drawing/2016/SVG/main" r:embed="rId6"/>
+              </a:ext>
+            </a:extLst>
+          </a:blip>
+          <a:stretch>
+            <a:fillRect/>
+          </a:stretch>
+        </a:blipFill>
+        <a:ln>
+          <a:noFill/>
+        </a:ln>
+      </dgm:spPr>
+      <dgm:extLst>
+        <a:ext uri="{E40237B7-FDA0-4F09-8148-C483321AD2D9}">
+          <dgm14:cNvPr xmlns:dgm14="http://schemas.microsoft.com/office/drawing/2010/diagram" id="0" name="" descr="Fork and knife"/>
+        </a:ext>
+      </dgm:extLst>
+    </dgm:pt>
+    <dgm:pt modelId="{C1D1B4B8-274F-45F4-96A1-25F918DB47B5}" type="pres">
+      <dgm:prSet presAssocID="{9E4EAB20-2687-4B9F-A02A-4E111544712C}" presName="spaceRect" presStyleCnt="0"/>
+      <dgm:spPr/>
+    </dgm:pt>
+    <dgm:pt modelId="{7FB2A69C-B93E-4886-87FA-F73BAF8E4758}" type="pres">
+      <dgm:prSet presAssocID="{9E4EAB20-2687-4B9F-A02A-4E111544712C}" presName="parTx" presStyleLbl="revTx" presStyleIdx="2" presStyleCnt="6">
+        <dgm:presLayoutVars>
+          <dgm:chMax val="0"/>
+          <dgm:chPref val="0"/>
+        </dgm:presLayoutVars>
+      </dgm:prSet>
+      <dgm:spPr/>
+    </dgm:pt>
+    <dgm:pt modelId="{0004F6C3-C923-4950-971D-D4F3CF9166C3}" type="pres">
+      <dgm:prSet presAssocID="{A393D2EE-4A5D-4736-9470-8E80C7A6E4F9}" presName="sibTrans" presStyleCnt="0"/>
+      <dgm:spPr/>
+    </dgm:pt>
+    <dgm:pt modelId="{0E6D2BF4-BF39-4FE5-B895-A55D6A1F1170}" type="pres">
+      <dgm:prSet presAssocID="{1D587767-41BB-4248-86CC-34CDC06345DA}" presName="compNode" presStyleCnt="0"/>
+      <dgm:spPr/>
+    </dgm:pt>
+    <dgm:pt modelId="{14AB5F3F-E930-4298-9BC1-ED60DF8030A4}" type="pres">
+      <dgm:prSet presAssocID="{1D587767-41BB-4248-86CC-34CDC06345DA}" presName="bgRect" presStyleLbl="bgShp" presStyleIdx="3" presStyleCnt="6"/>
+      <dgm:spPr/>
+    </dgm:pt>
+    <dgm:pt modelId="{C6B59340-721D-4372-841C-B71BC9CD0315}" type="pres">
+      <dgm:prSet presAssocID="{1D587767-41BB-4248-86CC-34CDC06345DA}" presName="iconRect" presStyleLbl="node1" presStyleIdx="3" presStyleCnt="6"/>
+      <dgm:spPr>
+        <a:blipFill>
+          <a:blip xmlns:r="http://schemas.openxmlformats.org/officeDocument/2006/relationships" r:embed="rId7">
+            <a:extLst>
+              <a:ext uri="{28A0092B-C50C-407E-A947-70E740481C1C}">
+                <a14:useLocalDpi xmlns:a14="http://schemas.microsoft.com/office/drawing/2010/main" val="0"/>
+              </a:ext>
+              <a:ext uri="{96DAC541-7B7A-43D3-8B79-37D633B846F1}">
+                <asvg:svgBlip xmlns:asvg="http://schemas.microsoft.com/office/drawing/2016/SVG/main" r:embed="rId8"/>
+              </a:ext>
+            </a:extLst>
+          </a:blip>
+          <a:stretch>
+            <a:fillRect/>
+          </a:stretch>
+        </a:blipFill>
+        <a:ln>
+          <a:noFill/>
+        </a:ln>
+      </dgm:spPr>
+      <dgm:extLst>
+        <a:ext uri="{E40237B7-FDA0-4F09-8148-C483321AD2D9}">
+          <dgm14:cNvPr xmlns:dgm14="http://schemas.microsoft.com/office/drawing/2010/diagram" id="0" name="" descr="Couch"/>
+        </a:ext>
+      </dgm:extLst>
+    </dgm:pt>
+    <dgm:pt modelId="{0241A194-CF23-4DA8-9DED-05624479CFD6}" type="pres">
+      <dgm:prSet presAssocID="{1D587767-41BB-4248-86CC-34CDC06345DA}" presName="spaceRect" presStyleCnt="0"/>
+      <dgm:spPr/>
+    </dgm:pt>
+    <dgm:pt modelId="{C7E2854F-6440-4852-8F5A-39E8C6337FEB}" type="pres">
+      <dgm:prSet presAssocID="{1D587767-41BB-4248-86CC-34CDC06345DA}" presName="parTx" presStyleLbl="revTx" presStyleIdx="3" presStyleCnt="6">
+        <dgm:presLayoutVars>
+          <dgm:chMax val="0"/>
+          <dgm:chPref val="0"/>
+        </dgm:presLayoutVars>
+      </dgm:prSet>
+      <dgm:spPr/>
+    </dgm:pt>
+    <dgm:pt modelId="{FD16FAB7-4382-4572-89F7-55A72021E262}" type="pres">
+      <dgm:prSet presAssocID="{C500D7A2-67E6-4A58-B22B-F7E44B49E8D5}" presName="sibTrans" presStyleCnt="0"/>
+      <dgm:spPr/>
+    </dgm:pt>
+    <dgm:pt modelId="{5E5C3029-16DF-4216-8728-060DAB7BE00C}" type="pres">
+      <dgm:prSet presAssocID="{981F496D-928D-4E5B-BBF3-DE0886701CA7}" presName="compNode" presStyleCnt="0"/>
+      <dgm:spPr/>
+    </dgm:pt>
+    <dgm:pt modelId="{13BC5FBF-235A-4CB7-9AA2-067DB1724215}" type="pres">
+      <dgm:prSet presAssocID="{981F496D-928D-4E5B-BBF3-DE0886701CA7}" presName="bgRect" presStyleLbl="bgShp" presStyleIdx="4" presStyleCnt="6"/>
+      <dgm:spPr/>
+    </dgm:pt>
+    <dgm:pt modelId="{E39A581B-8CBB-47EF-89C7-EF7A052EE372}" type="pres">
+      <dgm:prSet presAssocID="{981F496D-928D-4E5B-BBF3-DE0886701CA7}" presName="iconRect" presStyleLbl="node1" presStyleIdx="4" presStyleCnt="6"/>
+      <dgm:spPr>
+        <a:blipFill>
+          <a:blip xmlns:r="http://schemas.openxmlformats.org/officeDocument/2006/relationships" r:embed="rId9">
+            <a:extLst>
+              <a:ext uri="{28A0092B-C50C-407E-A947-70E740481C1C}">
+                <a14:useLocalDpi xmlns:a14="http://schemas.microsoft.com/office/drawing/2010/main" val="0"/>
+              </a:ext>
+              <a:ext uri="{96DAC541-7B7A-43D3-8B79-37D633B846F1}">
+                <asvg:svgBlip xmlns:asvg="http://schemas.microsoft.com/office/drawing/2016/SVG/main" r:embed="rId10"/>
+              </a:ext>
+            </a:extLst>
+          </a:blip>
+          <a:stretch>
+            <a:fillRect/>
+          </a:stretch>
+        </a:blipFill>
+        <a:ln>
+          <a:noFill/>
+        </a:ln>
+      </dgm:spPr>
+      <dgm:extLst>
+        <a:ext uri="{E40237B7-FDA0-4F09-8148-C483321AD2D9}">
+          <dgm14:cNvPr xmlns:dgm14="http://schemas.microsoft.com/office/drawing/2010/diagram" id="0" name="" descr="User"/>
+        </a:ext>
+      </dgm:extLst>
+    </dgm:pt>
+    <dgm:pt modelId="{EED6C496-185D-4D71-9F85-FCE27B199852}" type="pres">
+      <dgm:prSet presAssocID="{981F496D-928D-4E5B-BBF3-DE0886701CA7}" presName="spaceRect" presStyleCnt="0"/>
+      <dgm:spPr/>
+    </dgm:pt>
+    <dgm:pt modelId="{C289AD9A-43AD-4B3B-83D8-02C9EAC832CA}" type="pres">
+      <dgm:prSet presAssocID="{981F496D-928D-4E5B-BBF3-DE0886701CA7}" presName="parTx" presStyleLbl="revTx" presStyleIdx="4" presStyleCnt="6">
+        <dgm:presLayoutVars>
+          <dgm:chMax val="0"/>
+          <dgm:chPref val="0"/>
+        </dgm:presLayoutVars>
+      </dgm:prSet>
+      <dgm:spPr/>
+    </dgm:pt>
+    <dgm:pt modelId="{61101526-2983-4BD6-86F6-5CF40D496B4E}" type="pres">
+      <dgm:prSet presAssocID="{D35E202A-809F-4D93-A55F-B1E48885B26C}" presName="sibTrans" presStyleCnt="0"/>
+      <dgm:spPr/>
+    </dgm:pt>
+    <dgm:pt modelId="{0684B3BA-14F8-4FAB-B7EB-503D5CEF5C7A}" type="pres">
+      <dgm:prSet presAssocID="{3743631D-8D42-4D1B-B4CF-821597B10097}" presName="compNode" presStyleCnt="0"/>
+      <dgm:spPr/>
+    </dgm:pt>
+    <dgm:pt modelId="{DA8C5E94-CD3A-4B2A-B890-FB6CAAE50750}" type="pres">
+      <dgm:prSet presAssocID="{3743631D-8D42-4D1B-B4CF-821597B10097}" presName="bgRect" presStyleLbl="bgShp" presStyleIdx="5" presStyleCnt="6"/>
+      <dgm:spPr/>
+    </dgm:pt>
+    <dgm:pt modelId="{A162948E-4CA6-4EAB-8B02-3A83EB565C70}" type="pres">
+      <dgm:prSet presAssocID="{3743631D-8D42-4D1B-B4CF-821597B10097}" presName="iconRect" presStyleLbl="node1" presStyleIdx="5" presStyleCnt="6"/>
+      <dgm:spPr>
+        <a:blipFill>
+          <a:blip xmlns:r="http://schemas.openxmlformats.org/officeDocument/2006/relationships" r:embed="rId11">
+            <a:extLst>
+              <a:ext uri="{28A0092B-C50C-407E-A947-70E740481C1C}">
+                <a14:useLocalDpi xmlns:a14="http://schemas.microsoft.com/office/drawing/2010/main" val="0"/>
+              </a:ext>
+              <a:ext uri="{96DAC541-7B7A-43D3-8B79-37D633B846F1}">
+                <asvg:svgBlip xmlns:asvg="http://schemas.microsoft.com/office/drawing/2016/SVG/main" r:embed="rId12"/>
+              </a:ext>
+            </a:extLst>
+          </a:blip>
+          <a:stretch>
+            <a:fillRect/>
+          </a:stretch>
+        </a:blipFill>
+        <a:ln>
+          <a:noFill/>
+        </a:ln>
+      </dgm:spPr>
+      <dgm:extLst>
+        <a:ext uri="{E40237B7-FDA0-4F09-8148-C483321AD2D9}">
+          <dgm14:cNvPr xmlns:dgm14="http://schemas.microsoft.com/office/drawing/2010/diagram" id="0" name="" descr="Help"/>
+        </a:ext>
+      </dgm:extLst>
+    </dgm:pt>
+    <dgm:pt modelId="{B65DC6E5-F3E0-4881-A4DF-6928D6BC0214}" type="pres">
+      <dgm:prSet presAssocID="{3743631D-8D42-4D1B-B4CF-821597B10097}" presName="spaceRect" presStyleCnt="0"/>
+      <dgm:spPr/>
+    </dgm:pt>
+    <dgm:pt modelId="{348A6EBF-DD52-42F2-8CE7-57A4B44632FA}" type="pres">
+      <dgm:prSet presAssocID="{3743631D-8D42-4D1B-B4CF-821597B10097}" presName="parTx" presStyleLbl="revTx" presStyleIdx="5" presStyleCnt="6">
+        <dgm:presLayoutVars>
+          <dgm:chMax val="0"/>
+          <dgm:chPref val="0"/>
+        </dgm:presLayoutVars>
+      </dgm:prSet>
+      <dgm:spPr/>
+    </dgm:pt>
+  </dgm:ptLst>
+  <dgm:cxnLst>
+    <dgm:cxn modelId="{B5B05B17-C257-4954-8D70-DF8BDED1FC5B}" type="presOf" srcId="{981F496D-928D-4E5B-BBF3-DE0886701CA7}" destId="{C289AD9A-43AD-4B3B-83D8-02C9EAC832CA}" srcOrd="0" destOrd="0" presId="urn:microsoft.com/office/officeart/2018/2/layout/IconVerticalSolidList"/>
+    <dgm:cxn modelId="{FA1C4C1D-7C8C-424F-AD27-B788586C988B}" srcId="{E97479EF-C642-47EB-ADEE-B406BCB5721F}" destId="{1D587767-41BB-4248-86CC-34CDC06345DA}" srcOrd="3" destOrd="0" parTransId="{A8323933-FA90-4586-8CC7-337997EEDE01}" sibTransId="{C500D7A2-67E6-4A58-B22B-F7E44B49E8D5}"/>
+    <dgm:cxn modelId="{3D529425-5307-4457-95B8-6502CF8E50B9}" type="presOf" srcId="{CFD8E407-37F3-4787-9E68-9CB3E4175493}" destId="{DA1ABB28-0207-4B64-9767-613B9788C690}" srcOrd="0" destOrd="0" presId="urn:microsoft.com/office/officeart/2018/2/layout/IconVerticalSolidList"/>
+    <dgm:cxn modelId="{F9D7052C-E866-4459-AADF-C813318A0907}" type="presOf" srcId="{3743631D-8D42-4D1B-B4CF-821597B10097}" destId="{348A6EBF-DD52-42F2-8CE7-57A4B44632FA}" srcOrd="0" destOrd="0" presId="urn:microsoft.com/office/officeart/2018/2/layout/IconVerticalSolidList"/>
+    <dgm:cxn modelId="{B5E56531-028C-4CEC-8E04-5358CF298425}" srcId="{E97479EF-C642-47EB-ADEE-B406BCB5721F}" destId="{9E4EAB20-2687-4B9F-A02A-4E111544712C}" srcOrd="2" destOrd="0" parTransId="{A9D21DD2-4126-4D00-8E41-C94C404FFBD0}" sibTransId="{A393D2EE-4A5D-4736-9470-8E80C7A6E4F9}"/>
+    <dgm:cxn modelId="{0409B25C-D7C2-4371-BFC1-6480CE1B26C1}" srcId="{E97479EF-C642-47EB-ADEE-B406BCB5721F}" destId="{981F496D-928D-4E5B-BBF3-DE0886701CA7}" srcOrd="4" destOrd="0" parTransId="{468292FB-50BD-444E-B6A7-EDEFA4CDACE6}" sibTransId="{D35E202A-809F-4D93-A55F-B1E48885B26C}"/>
+    <dgm:cxn modelId="{3A73F44C-98A8-454D-AD5E-BAFF601ACB03}" srcId="{E97479EF-C642-47EB-ADEE-B406BCB5721F}" destId="{7DAFC185-82F1-471E-8CCB-F9D31C624F48}" srcOrd="1" destOrd="0" parTransId="{DF3B0FD2-4101-48B2-BA99-7393D70E5735}" sibTransId="{C8C31E53-A7B0-49FF-BB89-FE614B44D785}"/>
+    <dgm:cxn modelId="{E7D5757B-5218-424E-A7EB-CEA64A9C0F81}" type="presOf" srcId="{7DAFC185-82F1-471E-8CCB-F9D31C624F48}" destId="{B1AD6E88-DFE8-4B46-BF05-A7BD4C5FD0E6}" srcOrd="0" destOrd="0" presId="urn:microsoft.com/office/officeart/2018/2/layout/IconVerticalSolidList"/>
+    <dgm:cxn modelId="{E3A66280-E1BF-4828-A046-8FBA79A40304}" srcId="{E97479EF-C642-47EB-ADEE-B406BCB5721F}" destId="{3743631D-8D42-4D1B-B4CF-821597B10097}" srcOrd="5" destOrd="0" parTransId="{93999708-FDDA-493F-8DAB-D3117ED52977}" sibTransId="{174353EA-FEA8-498C-9540-DFE856ED61E9}"/>
+    <dgm:cxn modelId="{A4FAFEA4-F35A-4485-906B-30C052C85351}" type="presOf" srcId="{9E4EAB20-2687-4B9F-A02A-4E111544712C}" destId="{7FB2A69C-B93E-4886-87FA-F73BAF8E4758}" srcOrd="0" destOrd="0" presId="urn:microsoft.com/office/officeart/2018/2/layout/IconVerticalSolidList"/>
+    <dgm:cxn modelId="{D7A0ADE7-BB25-44B3-96D3-C93D8674F501}" type="presOf" srcId="{E97479EF-C642-47EB-ADEE-B406BCB5721F}" destId="{9E257A35-9E60-448A-8723-F746E256FBF0}" srcOrd="0" destOrd="0" presId="urn:microsoft.com/office/officeart/2018/2/layout/IconVerticalSolidList"/>
+    <dgm:cxn modelId="{7F33C3F6-FB53-4A17-9621-82D5B8B01C38}" srcId="{E97479EF-C642-47EB-ADEE-B406BCB5721F}" destId="{CFD8E407-37F3-4787-9E68-9CB3E4175493}" srcOrd="0" destOrd="0" parTransId="{7BBAF98A-B8EF-4FA0-AA30-E39053B7FBFD}" sibTransId="{E63F18FD-D0F0-45E2-9E33-BDCE0FB03C4C}"/>
+    <dgm:cxn modelId="{FCED3DFD-A124-40D6-A0CD-D1BC310D575C}" type="presOf" srcId="{1D587767-41BB-4248-86CC-34CDC06345DA}" destId="{C7E2854F-6440-4852-8F5A-39E8C6337FEB}" srcOrd="0" destOrd="0" presId="urn:microsoft.com/office/officeart/2018/2/layout/IconVerticalSolidList"/>
+    <dgm:cxn modelId="{42741E20-11AC-4E41-9904-BA4AADFF0828}" type="presParOf" srcId="{9E257A35-9E60-448A-8723-F746E256FBF0}" destId="{19EA941A-C2B7-4CC2-8229-D9F0D269E50D}" srcOrd="0" destOrd="0" presId="urn:microsoft.com/office/officeart/2018/2/layout/IconVerticalSolidList"/>
+    <dgm:cxn modelId="{6AF05D58-0DDF-4497-9565-18482A07E4BB}" type="presParOf" srcId="{19EA941A-C2B7-4CC2-8229-D9F0D269E50D}" destId="{06B730EF-EDBE-4930-8A9A-0C93DD3D284A}" srcOrd="0" destOrd="0" presId="urn:microsoft.com/office/officeart/2018/2/layout/IconVerticalSolidList"/>
+    <dgm:cxn modelId="{2FB836CD-1F6E-4BD0-B550-EC2EB9685EE6}" type="presParOf" srcId="{19EA941A-C2B7-4CC2-8229-D9F0D269E50D}" destId="{C13F1592-90F3-4A80-93F6-B1C3F854D038}" srcOrd="1" destOrd="0" presId="urn:microsoft.com/office/officeart/2018/2/layout/IconVerticalSolidList"/>
+    <dgm:cxn modelId="{81327BAC-D884-4D46-B201-EAC7F826C8A8}" type="presParOf" srcId="{19EA941A-C2B7-4CC2-8229-D9F0D269E50D}" destId="{08472B94-8D41-4EC1-888E-B4058423282A}" srcOrd="2" destOrd="0" presId="urn:microsoft.com/office/officeart/2018/2/layout/IconVerticalSolidList"/>
+    <dgm:cxn modelId="{B79843E1-1AF6-4E1A-A990-68B9A59EEB0C}" type="presParOf" srcId="{19EA941A-C2B7-4CC2-8229-D9F0D269E50D}" destId="{DA1ABB28-0207-4B64-9767-613B9788C690}" srcOrd="3" destOrd="0" presId="urn:microsoft.com/office/officeart/2018/2/layout/IconVerticalSolidList"/>
+    <dgm:cxn modelId="{B911C890-8AFE-403E-997F-F1EF443865C6}" type="presParOf" srcId="{9E257A35-9E60-448A-8723-F746E256FBF0}" destId="{CA210855-995F-4A73-A2DC-A14380911969}" srcOrd="1" destOrd="0" presId="urn:microsoft.com/office/officeart/2018/2/layout/IconVerticalSolidList"/>
+    <dgm:cxn modelId="{22B3E829-FB55-4B89-AB3F-31CC269146E0}" type="presParOf" srcId="{9E257A35-9E60-448A-8723-F746E256FBF0}" destId="{156BE6A5-0A79-4CD4-8B4B-AA7A30E20B47}" srcOrd="2" destOrd="0" presId="urn:microsoft.com/office/officeart/2018/2/layout/IconVerticalSolidList"/>
+    <dgm:cxn modelId="{4D7D8084-CD2B-4333-94B6-E52D69BFA7FB}" type="presParOf" srcId="{156BE6A5-0A79-4CD4-8B4B-AA7A30E20B47}" destId="{ACF27FAB-8782-4746-85E8-0C497C0E0737}" srcOrd="0" destOrd="0" presId="urn:microsoft.com/office/officeart/2018/2/layout/IconVerticalSolidList"/>
+    <dgm:cxn modelId="{721B7580-2123-4BF5-B402-3D86EFBEF296}" type="presParOf" srcId="{156BE6A5-0A79-4CD4-8B4B-AA7A30E20B47}" destId="{FC7DB680-F767-4000-A93C-D827B2280E47}" srcOrd="1" destOrd="0" presId="urn:microsoft.com/office/officeart/2018/2/layout/IconVerticalSolidList"/>
+    <dgm:cxn modelId="{AE7EA58E-B9DE-4FA4-89E9-B470CBBDECA9}" type="presParOf" srcId="{156BE6A5-0A79-4CD4-8B4B-AA7A30E20B47}" destId="{63E7EBFB-E512-44A9-A630-204B4EBDDE14}" srcOrd="2" destOrd="0" presId="urn:microsoft.com/office/officeart/2018/2/layout/IconVerticalSolidList"/>
+    <dgm:cxn modelId="{0F28ED7D-B8EA-4567-BAC2-61A01D80A7E7}" type="presParOf" srcId="{156BE6A5-0A79-4CD4-8B4B-AA7A30E20B47}" destId="{B1AD6E88-DFE8-4B46-BF05-A7BD4C5FD0E6}" srcOrd="3" destOrd="0" presId="urn:microsoft.com/office/officeart/2018/2/layout/IconVerticalSolidList"/>
+    <dgm:cxn modelId="{C2F37C9E-B1BE-4A29-A0C0-C49A1ED8CBA4}" type="presParOf" srcId="{9E257A35-9E60-448A-8723-F746E256FBF0}" destId="{465FC215-3A92-40D4-8E54-577046ABB12A}" srcOrd="3" destOrd="0" presId="urn:microsoft.com/office/officeart/2018/2/layout/IconVerticalSolidList"/>
+    <dgm:cxn modelId="{C350880A-86EF-4A16-83EB-B8B7507E63C2}" type="presParOf" srcId="{9E257A35-9E60-448A-8723-F746E256FBF0}" destId="{CF5E52AF-7096-43DB-8834-ABA87E6FDE33}" srcOrd="4" destOrd="0" presId="urn:microsoft.com/office/officeart/2018/2/layout/IconVerticalSolidList"/>
+    <dgm:cxn modelId="{9F2D1B14-FA14-4E00-BFAF-110F6B75BAD3}" type="presParOf" srcId="{CF5E52AF-7096-43DB-8834-ABA87E6FDE33}" destId="{30459867-26AA-40A0-B16F-88440B7682CC}" srcOrd="0" destOrd="0" presId="urn:microsoft.com/office/officeart/2018/2/layout/IconVerticalSolidList"/>
+    <dgm:cxn modelId="{53F7ED26-DF9F-4B77-8D31-80115B2F79F0}" type="presParOf" srcId="{CF5E52AF-7096-43DB-8834-ABA87E6FDE33}" destId="{EAB55B68-1C86-44CC-8279-75F78C1DDD85}" srcOrd="1" destOrd="0" presId="urn:microsoft.com/office/officeart/2018/2/layout/IconVerticalSolidList"/>
+    <dgm:cxn modelId="{EF8FE47F-2B98-466B-B61F-C08367143063}" type="presParOf" srcId="{CF5E52AF-7096-43DB-8834-ABA87E6FDE33}" destId="{C1D1B4B8-274F-45F4-96A1-25F918DB47B5}" srcOrd="2" destOrd="0" presId="urn:microsoft.com/office/officeart/2018/2/layout/IconVerticalSolidList"/>
+    <dgm:cxn modelId="{CDBA8BDE-D1F5-42CD-9777-D02451249768}" type="presParOf" srcId="{CF5E52AF-7096-43DB-8834-ABA87E6FDE33}" destId="{7FB2A69C-B93E-4886-87FA-F73BAF8E4758}" srcOrd="3" destOrd="0" presId="urn:microsoft.com/office/officeart/2018/2/layout/IconVerticalSolidList"/>
+    <dgm:cxn modelId="{21740FD9-0AA1-4F10-A4EA-187684A3B6B1}" type="presParOf" srcId="{9E257A35-9E60-448A-8723-F746E256FBF0}" destId="{0004F6C3-C923-4950-971D-D4F3CF9166C3}" srcOrd="5" destOrd="0" presId="urn:microsoft.com/office/officeart/2018/2/layout/IconVerticalSolidList"/>
+    <dgm:cxn modelId="{730450BF-19ED-4D29-B042-FE66C5B6D11B}" type="presParOf" srcId="{9E257A35-9E60-448A-8723-F746E256FBF0}" destId="{0E6D2BF4-BF39-4FE5-B895-A55D6A1F1170}" srcOrd="6" destOrd="0" presId="urn:microsoft.com/office/officeart/2018/2/layout/IconVerticalSolidList"/>
+    <dgm:cxn modelId="{D3727506-F004-494C-9B0F-6CE454064DC7}" type="presParOf" srcId="{0E6D2BF4-BF39-4FE5-B895-A55D6A1F1170}" destId="{14AB5F3F-E930-4298-9BC1-ED60DF8030A4}" srcOrd="0" destOrd="0" presId="urn:microsoft.com/office/officeart/2018/2/layout/IconVerticalSolidList"/>
+    <dgm:cxn modelId="{BCCA7E77-F9E4-4E5A-9938-485AB12F2A88}" type="presParOf" srcId="{0E6D2BF4-BF39-4FE5-B895-A55D6A1F1170}" destId="{C6B59340-721D-4372-841C-B71BC9CD0315}" srcOrd="1" destOrd="0" presId="urn:microsoft.com/office/officeart/2018/2/layout/IconVerticalSolidList"/>
+    <dgm:cxn modelId="{331BBD67-5873-4193-9006-EC9A96DE8C85}" type="presParOf" srcId="{0E6D2BF4-BF39-4FE5-B895-A55D6A1F1170}" destId="{0241A194-CF23-4DA8-9DED-05624479CFD6}" srcOrd="2" destOrd="0" presId="urn:microsoft.com/office/officeart/2018/2/layout/IconVerticalSolidList"/>
+    <dgm:cxn modelId="{613BE273-5549-47C6-AEA2-55506D52D289}" type="presParOf" srcId="{0E6D2BF4-BF39-4FE5-B895-A55D6A1F1170}" destId="{C7E2854F-6440-4852-8F5A-39E8C6337FEB}" srcOrd="3" destOrd="0" presId="urn:microsoft.com/office/officeart/2018/2/layout/IconVerticalSolidList"/>
+    <dgm:cxn modelId="{0AA1A9EF-3CA6-449E-8DB4-271F282E5DC4}" type="presParOf" srcId="{9E257A35-9E60-448A-8723-F746E256FBF0}" destId="{FD16FAB7-4382-4572-89F7-55A72021E262}" srcOrd="7" destOrd="0" presId="urn:microsoft.com/office/officeart/2018/2/layout/IconVerticalSolidList"/>
+    <dgm:cxn modelId="{DD09F5DD-054F-4BB0-A5C5-525DFBD97300}" type="presParOf" srcId="{9E257A35-9E60-448A-8723-F746E256FBF0}" destId="{5E5C3029-16DF-4216-8728-060DAB7BE00C}" srcOrd="8" destOrd="0" presId="urn:microsoft.com/office/officeart/2018/2/layout/IconVerticalSolidList"/>
+    <dgm:cxn modelId="{405A1162-2496-4000-8C05-BEAF70B2CD51}" type="presParOf" srcId="{5E5C3029-16DF-4216-8728-060DAB7BE00C}" destId="{13BC5FBF-235A-4CB7-9AA2-067DB1724215}" srcOrd="0" destOrd="0" presId="urn:microsoft.com/office/officeart/2018/2/layout/IconVerticalSolidList"/>
+    <dgm:cxn modelId="{867CE456-227B-46EF-9852-68BF9CF6E1A8}" type="presParOf" srcId="{5E5C3029-16DF-4216-8728-060DAB7BE00C}" destId="{E39A581B-8CBB-47EF-89C7-EF7A052EE372}" srcOrd="1" destOrd="0" presId="urn:microsoft.com/office/officeart/2018/2/layout/IconVerticalSolidList"/>
+    <dgm:cxn modelId="{F3476149-67BD-458B-81EF-6E19B4C73ADD}" type="presParOf" srcId="{5E5C3029-16DF-4216-8728-060DAB7BE00C}" destId="{EED6C496-185D-4D71-9F85-FCE27B199852}" srcOrd="2" destOrd="0" presId="urn:microsoft.com/office/officeart/2018/2/layout/IconVerticalSolidList"/>
+    <dgm:cxn modelId="{ACD1CB9F-3424-4ECA-99CC-FCFB8C1ED1E9}" type="presParOf" srcId="{5E5C3029-16DF-4216-8728-060DAB7BE00C}" destId="{C289AD9A-43AD-4B3B-83D8-02C9EAC832CA}" srcOrd="3" destOrd="0" presId="urn:microsoft.com/office/officeart/2018/2/layout/IconVerticalSolidList"/>
+    <dgm:cxn modelId="{836ABA59-660F-4E5C-9E83-F6527F7F47FA}" type="presParOf" srcId="{9E257A35-9E60-448A-8723-F746E256FBF0}" destId="{61101526-2983-4BD6-86F6-5CF40D496B4E}" srcOrd="9" destOrd="0" presId="urn:microsoft.com/office/officeart/2018/2/layout/IconVerticalSolidList"/>
+    <dgm:cxn modelId="{D1FF4546-EF85-4E09-A079-5FD62F8EA8E9}" type="presParOf" srcId="{9E257A35-9E60-448A-8723-F746E256FBF0}" destId="{0684B3BA-14F8-4FAB-B7EB-503D5CEF5C7A}" srcOrd="10" destOrd="0" presId="urn:microsoft.com/office/officeart/2018/2/layout/IconVerticalSolidList"/>
+    <dgm:cxn modelId="{D39E47DC-2F8C-4238-A6F7-B56D9FC26740}" type="presParOf" srcId="{0684B3BA-14F8-4FAB-B7EB-503D5CEF5C7A}" destId="{DA8C5E94-CD3A-4B2A-B890-FB6CAAE50750}" srcOrd="0" destOrd="0" presId="urn:microsoft.com/office/officeart/2018/2/layout/IconVerticalSolidList"/>
+    <dgm:cxn modelId="{07C6F5E7-20F6-4953-BFFE-7EC880D21D87}" type="presParOf" srcId="{0684B3BA-14F8-4FAB-B7EB-503D5CEF5C7A}" destId="{A162948E-4CA6-4EAB-8B02-3A83EB565C70}" srcOrd="1" destOrd="0" presId="urn:microsoft.com/office/officeart/2018/2/layout/IconVerticalSolidList"/>
+    <dgm:cxn modelId="{ED2445A2-4FE0-41CE-97C6-3C6F9318A703}" type="presParOf" srcId="{0684B3BA-14F8-4FAB-B7EB-503D5CEF5C7A}" destId="{B65DC6E5-F3E0-4881-A4DF-6928D6BC0214}" srcOrd="2" destOrd="0" presId="urn:microsoft.com/office/officeart/2018/2/layout/IconVerticalSolidList"/>
+    <dgm:cxn modelId="{85EAA858-170A-4427-9BC3-A8D1569347AC}" type="presParOf" srcId="{0684B3BA-14F8-4FAB-B7EB-503D5CEF5C7A}" destId="{348A6EBF-DD52-42F2-8CE7-57A4B44632FA}" srcOrd="3" destOrd="0" presId="urn:microsoft.com/office/officeart/2018/2/layout/IconVerticalSolidList"/>
+  </dgm:cxnLst>
+  <dgm:bg/>
+  <dgm:whole/>
+  <dgm:extLst>
+    <a:ext uri="http://schemas.microsoft.com/office/drawing/2008/diagram">
+      <dsp:dataModelExt xmlns:dsp="http://schemas.microsoft.com/office/drawing/2008/diagram" relId="rId8" minVer="http://schemas.openxmlformats.org/drawingml/2006/diagram"/>
+    </a:ext>
+  </dgm:extLst>
+</dgm:dataModel>
+</file>
+
+<file path=ppt/diagrams/drawing1.xml><?xml version="1.0" encoding="utf-8"?>
+<dsp:drawing xmlns:dgm="http://schemas.openxmlformats.org/drawingml/2006/diagram" xmlns:dsp="http://schemas.microsoft.com/office/drawing/2008/diagram" xmlns:a="http://schemas.openxmlformats.org/drawingml/2006/main">
+  <dsp:spTree>
+    <dsp:nvGrpSpPr>
+      <dsp:cNvPr id="0" name=""/>
+      <dsp:cNvGrpSpPr/>
+    </dsp:nvGrpSpPr>
+    <dsp:grpSpPr/>
+    <dsp:sp modelId="{06B730EF-EDBE-4930-8A9A-0C93DD3D284A}">
+      <dsp:nvSpPr>
+        <dsp:cNvPr id="0" name=""/>
+        <dsp:cNvSpPr/>
+      </dsp:nvSpPr>
+      <dsp:spPr>
+        <a:xfrm>
+          <a:off x="0" y="1762"/>
+          <a:ext cx="6290226" cy="750926"/>
+        </a:xfrm>
+        <a:prstGeom prst="roundRect">
+          <a:avLst>
+            <a:gd name="adj" fmla="val 10000"/>
+          </a:avLst>
+        </a:prstGeom>
+        <a:solidFill>
+          <a:schemeClr val="bg1">
+            <a:lumMod val="95000"/>
+            <a:hueOff val="0"/>
+            <a:satOff val="0"/>
+            <a:lumOff val="0"/>
+            <a:alphaOff val="0"/>
+          </a:schemeClr>
+        </a:solidFill>
+        <a:ln>
+          <a:noFill/>
+        </a:ln>
+        <a:effectLst/>
+      </dsp:spPr>
+      <dsp:style>
+        <a:lnRef idx="0">
+          <a:scrgbClr r="0" g="0" b="0"/>
+        </a:lnRef>
+        <a:fillRef idx="1">
+          <a:scrgbClr r="0" g="0" b="0"/>
+        </a:fillRef>
+        <a:effectRef idx="0">
+          <a:scrgbClr r="0" g="0" b="0"/>
+        </a:effectRef>
+        <a:fontRef idx="minor"/>
+      </dsp:style>
+    </dsp:sp>
+    <dsp:sp modelId="{C13F1592-90F3-4A80-93F6-B1C3F854D038}">
+      <dsp:nvSpPr>
+        <dsp:cNvPr id="0" name=""/>
+        <dsp:cNvSpPr/>
+      </dsp:nvSpPr>
+      <dsp:spPr>
+        <a:xfrm>
+          <a:off x="227155" y="170720"/>
+          <a:ext cx="413009" cy="413009"/>
+        </a:xfrm>
+        <a:prstGeom prst="rect">
+          <a:avLst/>
+        </a:prstGeom>
+        <a:blipFill>
+          <a:blip xmlns:r="http://schemas.openxmlformats.org/officeDocument/2006/relationships" r:embed="rId1">
+            <a:extLst>
+              <a:ext uri="{28A0092B-C50C-407E-A947-70E740481C1C}">
+                <a14:useLocalDpi xmlns:a14="http://schemas.microsoft.com/office/drawing/2010/main" val="0"/>
+              </a:ext>
+              <a:ext uri="{96DAC541-7B7A-43D3-8B79-37D633B846F1}">
+                <asvg:svgBlip xmlns:asvg="http://schemas.microsoft.com/office/drawing/2016/SVG/main" r:embed="rId2"/>
+              </a:ext>
+            </a:extLst>
+          </a:blip>
+          <a:stretch>
+            <a:fillRect/>
+          </a:stretch>
+        </a:blipFill>
+        <a:ln w="12700" cap="flat" cmpd="sng" algn="ctr">
+          <a:noFill/>
+          <a:prstDash val="solid"/>
+        </a:ln>
+        <a:effectLst/>
+      </dsp:spPr>
+      <dsp:style>
+        <a:lnRef idx="2">
+          <a:scrgbClr r="0" g="0" b="0"/>
+        </a:lnRef>
+        <a:fillRef idx="1">
+          <a:scrgbClr r="0" g="0" b="0"/>
+        </a:fillRef>
+        <a:effectRef idx="0">
+          <a:scrgbClr r="0" g="0" b="0"/>
+        </a:effectRef>
+        <a:fontRef idx="minor">
+          <a:schemeClr val="lt1"/>
+        </a:fontRef>
+      </dsp:style>
+    </dsp:sp>
+    <dsp:sp modelId="{DA1ABB28-0207-4B64-9767-613B9788C690}">
+      <dsp:nvSpPr>
+        <dsp:cNvPr id="0" name=""/>
+        <dsp:cNvSpPr/>
+      </dsp:nvSpPr>
+      <dsp:spPr>
+        <a:xfrm>
+          <a:off x="867320" y="1762"/>
+          <a:ext cx="5422905" cy="750926"/>
+        </a:xfrm>
+        <a:prstGeom prst="rect">
+          <a:avLst/>
+        </a:prstGeom>
+        <a:noFill/>
+        <a:ln>
+          <a:noFill/>
+        </a:ln>
+        <a:effectLst/>
+      </dsp:spPr>
+      <dsp:style>
+        <a:lnRef idx="0">
+          <a:scrgbClr r="0" g="0" b="0"/>
+        </a:lnRef>
+        <a:fillRef idx="0">
+          <a:scrgbClr r="0" g="0" b="0"/>
+        </a:fillRef>
+        <a:effectRef idx="0">
+          <a:scrgbClr r="0" g="0" b="0"/>
+        </a:effectRef>
+        <a:fontRef idx="minor"/>
+      </dsp:style>
+      <dsp:txBody>
+        <a:bodyPr spcFirstLastPara="0" vert="horz" wrap="square" lIns="79473" tIns="79473" rIns="79473" bIns="79473" numCol="1" spcCol="1270" anchor="ctr" anchorCtr="0">
+          <a:noAutofit/>
+        </a:bodyPr>
+        <a:lstStyle/>
+        <a:p>
+          <a:pPr marL="0" lvl="0" indent="0" algn="l" defTabSz="844550">
+            <a:lnSpc>
+              <a:spcPct val="90000"/>
+            </a:lnSpc>
+            <a:spcBef>
+              <a:spcPct val="0"/>
+            </a:spcBef>
+            <a:spcAft>
+              <a:spcPct val="35000"/>
+            </a:spcAft>
+            <a:buNone/>
+          </a:pPr>
+          <a:r>
+            <a:rPr lang="en-US" sz="1900" kern="1200"/>
+            <a:t>Description</a:t>
+          </a:r>
+        </a:p>
+      </dsp:txBody>
+      <dsp:txXfrm>
+        <a:off x="867320" y="1762"/>
+        <a:ext cx="5422905" cy="750926"/>
+      </dsp:txXfrm>
+    </dsp:sp>
+    <dsp:sp modelId="{ACF27FAB-8782-4746-85E8-0C497C0E0737}">
+      <dsp:nvSpPr>
+        <dsp:cNvPr id="0" name=""/>
+        <dsp:cNvSpPr/>
+      </dsp:nvSpPr>
+      <dsp:spPr>
+        <a:xfrm>
+          <a:off x="0" y="940420"/>
+          <a:ext cx="6290226" cy="750926"/>
+        </a:xfrm>
+        <a:prstGeom prst="roundRect">
+          <a:avLst>
+            <a:gd name="adj" fmla="val 10000"/>
+          </a:avLst>
+        </a:prstGeom>
+        <a:solidFill>
+          <a:schemeClr val="bg1">
+            <a:lumMod val="95000"/>
+            <a:hueOff val="0"/>
+            <a:satOff val="0"/>
+            <a:lumOff val="0"/>
+            <a:alphaOff val="0"/>
+          </a:schemeClr>
+        </a:solidFill>
+        <a:ln>
+          <a:noFill/>
+        </a:ln>
+        <a:effectLst/>
+      </dsp:spPr>
+      <dsp:style>
+        <a:lnRef idx="0">
+          <a:scrgbClr r="0" g="0" b="0"/>
+        </a:lnRef>
+        <a:fillRef idx="1">
+          <a:scrgbClr r="0" g="0" b="0"/>
+        </a:fillRef>
+        <a:effectRef idx="0">
+          <a:scrgbClr r="0" g="0" b="0"/>
+        </a:effectRef>
+        <a:fontRef idx="minor"/>
+      </dsp:style>
+    </dsp:sp>
+    <dsp:sp modelId="{FC7DB680-F767-4000-A93C-D827B2280E47}">
+      <dsp:nvSpPr>
+        <dsp:cNvPr id="0" name=""/>
+        <dsp:cNvSpPr/>
+      </dsp:nvSpPr>
+      <dsp:spPr>
+        <a:xfrm>
+          <a:off x="227155" y="1109379"/>
+          <a:ext cx="413009" cy="413009"/>
+        </a:xfrm>
+        <a:prstGeom prst="rect">
+          <a:avLst/>
+        </a:prstGeom>
+        <a:blipFill>
+          <a:blip xmlns:r="http://schemas.openxmlformats.org/officeDocument/2006/relationships" r:embed="rId3">
+            <a:extLst>
+              <a:ext uri="{28A0092B-C50C-407E-A947-70E740481C1C}">
+                <a14:useLocalDpi xmlns:a14="http://schemas.microsoft.com/office/drawing/2010/main" val="0"/>
+              </a:ext>
+              <a:ext uri="{96DAC541-7B7A-43D3-8B79-37D633B846F1}">
+                <asvg:svgBlip xmlns:asvg="http://schemas.microsoft.com/office/drawing/2016/SVG/main" r:embed="rId4"/>
+              </a:ext>
+            </a:extLst>
+          </a:blip>
+          <a:stretch>
+            <a:fillRect/>
+          </a:stretch>
+        </a:blipFill>
+        <a:ln w="12700" cap="flat" cmpd="sng" algn="ctr">
+          <a:noFill/>
+          <a:prstDash val="solid"/>
+        </a:ln>
+        <a:effectLst/>
+      </dsp:spPr>
+      <dsp:style>
+        <a:lnRef idx="2">
+          <a:scrgbClr r="0" g="0" b="0"/>
+        </a:lnRef>
+        <a:fillRef idx="1">
+          <a:scrgbClr r="0" g="0" b="0"/>
+        </a:fillRef>
+        <a:effectRef idx="0">
+          <a:scrgbClr r="0" g="0" b="0"/>
+        </a:effectRef>
+        <a:fontRef idx="minor">
+          <a:schemeClr val="lt1"/>
+        </a:fontRef>
+      </dsp:style>
+    </dsp:sp>
+    <dsp:sp modelId="{B1AD6E88-DFE8-4B46-BF05-A7BD4C5FD0E6}">
+      <dsp:nvSpPr>
+        <dsp:cNvPr id="0" name=""/>
+        <dsp:cNvSpPr/>
+      </dsp:nvSpPr>
+      <dsp:spPr>
+        <a:xfrm>
+          <a:off x="867320" y="940420"/>
+          <a:ext cx="5422905" cy="750926"/>
+        </a:xfrm>
+        <a:prstGeom prst="rect">
+          <a:avLst/>
+        </a:prstGeom>
+        <a:noFill/>
+        <a:ln>
+          <a:noFill/>
+        </a:ln>
+        <a:effectLst/>
+      </dsp:spPr>
+      <dsp:style>
+        <a:lnRef idx="0">
+          <a:scrgbClr r="0" g="0" b="0"/>
+        </a:lnRef>
+        <a:fillRef idx="0">
+          <a:scrgbClr r="0" g="0" b="0"/>
+        </a:fillRef>
+        <a:effectRef idx="0">
+          <a:scrgbClr r="0" g="0" b="0"/>
+        </a:effectRef>
+        <a:fontRef idx="minor"/>
+      </dsp:style>
+      <dsp:txBody>
+        <a:bodyPr spcFirstLastPara="0" vert="horz" wrap="square" lIns="79473" tIns="79473" rIns="79473" bIns="79473" numCol="1" spcCol="1270" anchor="ctr" anchorCtr="0">
+          <a:noAutofit/>
+        </a:bodyPr>
+        <a:lstStyle/>
+        <a:p>
+          <a:pPr marL="0" lvl="0" indent="0" algn="l" defTabSz="844550">
+            <a:lnSpc>
+              <a:spcPct val="90000"/>
+            </a:lnSpc>
+            <a:spcBef>
+              <a:spcPct val="0"/>
+            </a:spcBef>
+            <a:spcAft>
+              <a:spcPct val="35000"/>
+            </a:spcAft>
+            <a:buNone/>
+          </a:pPr>
+          <a:r>
+            <a:rPr lang="en-US" sz="1900" kern="1200"/>
+            <a:t>Implementation</a:t>
+          </a:r>
+        </a:p>
+      </dsp:txBody>
+      <dsp:txXfrm>
+        <a:off x="867320" y="940420"/>
+        <a:ext cx="5422905" cy="750926"/>
+      </dsp:txXfrm>
+    </dsp:sp>
+    <dsp:sp modelId="{30459867-26AA-40A0-B16F-88440B7682CC}">
+      <dsp:nvSpPr>
+        <dsp:cNvPr id="0" name=""/>
+        <dsp:cNvSpPr/>
+      </dsp:nvSpPr>
+      <dsp:spPr>
+        <a:xfrm>
+          <a:off x="0" y="1879079"/>
+          <a:ext cx="6290226" cy="750926"/>
+        </a:xfrm>
+        <a:prstGeom prst="roundRect">
+          <a:avLst>
+            <a:gd name="adj" fmla="val 10000"/>
+          </a:avLst>
+        </a:prstGeom>
+        <a:solidFill>
+          <a:schemeClr val="bg1">
+            <a:lumMod val="95000"/>
+            <a:hueOff val="0"/>
+            <a:satOff val="0"/>
+            <a:lumOff val="0"/>
+            <a:alphaOff val="0"/>
+          </a:schemeClr>
+        </a:solidFill>
+        <a:ln>
+          <a:noFill/>
+        </a:ln>
+        <a:effectLst/>
+      </dsp:spPr>
+      <dsp:style>
+        <a:lnRef idx="0">
+          <a:scrgbClr r="0" g="0" b="0"/>
+        </a:lnRef>
+        <a:fillRef idx="1">
+          <a:scrgbClr r="0" g="0" b="0"/>
+        </a:fillRef>
+        <a:effectRef idx="0">
+          <a:scrgbClr r="0" g="0" b="0"/>
+        </a:effectRef>
+        <a:fontRef idx="minor"/>
+      </dsp:style>
+    </dsp:sp>
+    <dsp:sp modelId="{EAB55B68-1C86-44CC-8279-75F78C1DDD85}">
+      <dsp:nvSpPr>
+        <dsp:cNvPr id="0" name=""/>
+        <dsp:cNvSpPr/>
+      </dsp:nvSpPr>
+      <dsp:spPr>
+        <a:xfrm>
+          <a:off x="227155" y="2048038"/>
+          <a:ext cx="413009" cy="413009"/>
+        </a:xfrm>
+        <a:prstGeom prst="rect">
+          <a:avLst/>
+        </a:prstGeom>
+        <a:blipFill>
+          <a:blip xmlns:r="http://schemas.openxmlformats.org/officeDocument/2006/relationships" r:embed="rId5">
+            <a:extLst>
+              <a:ext uri="{28A0092B-C50C-407E-A947-70E740481C1C}">
+                <a14:useLocalDpi xmlns:a14="http://schemas.microsoft.com/office/drawing/2010/main" val="0"/>
+              </a:ext>
+              <a:ext uri="{96DAC541-7B7A-43D3-8B79-37D633B846F1}">
+                <asvg:svgBlip xmlns:asvg="http://schemas.microsoft.com/office/drawing/2016/SVG/main" r:embed="rId6"/>
+              </a:ext>
+            </a:extLst>
+          </a:blip>
+          <a:stretch>
+            <a:fillRect/>
+          </a:stretch>
+        </a:blipFill>
+        <a:ln w="12700" cap="flat" cmpd="sng" algn="ctr">
+          <a:noFill/>
+          <a:prstDash val="solid"/>
+        </a:ln>
+        <a:effectLst/>
+      </dsp:spPr>
+      <dsp:style>
+        <a:lnRef idx="2">
+          <a:scrgbClr r="0" g="0" b="0"/>
+        </a:lnRef>
+        <a:fillRef idx="1">
+          <a:scrgbClr r="0" g="0" b="0"/>
+        </a:fillRef>
+        <a:effectRef idx="0">
+          <a:scrgbClr r="0" g="0" b="0"/>
+        </a:effectRef>
+        <a:fontRef idx="minor">
+          <a:schemeClr val="lt1"/>
+        </a:fontRef>
+      </dsp:style>
+    </dsp:sp>
+    <dsp:sp modelId="{7FB2A69C-B93E-4886-87FA-F73BAF8E4758}">
+      <dsp:nvSpPr>
+        <dsp:cNvPr id="0" name=""/>
+        <dsp:cNvSpPr/>
+      </dsp:nvSpPr>
+      <dsp:spPr>
+        <a:xfrm>
+          <a:off x="867320" y="1879079"/>
+          <a:ext cx="5422905" cy="750926"/>
+        </a:xfrm>
+        <a:prstGeom prst="rect">
+          <a:avLst/>
+        </a:prstGeom>
+        <a:noFill/>
+        <a:ln>
+          <a:noFill/>
+        </a:ln>
+        <a:effectLst/>
+      </dsp:spPr>
+      <dsp:style>
+        <a:lnRef idx="0">
+          <a:scrgbClr r="0" g="0" b="0"/>
+        </a:lnRef>
+        <a:fillRef idx="0">
+          <a:scrgbClr r="0" g="0" b="0"/>
+        </a:fillRef>
+        <a:effectRef idx="0">
+          <a:scrgbClr r="0" g="0" b="0"/>
+        </a:effectRef>
+        <a:fontRef idx="minor"/>
+      </dsp:style>
+      <dsp:txBody>
+        <a:bodyPr spcFirstLastPara="0" vert="horz" wrap="square" lIns="79473" tIns="79473" rIns="79473" bIns="79473" numCol="1" spcCol="1270" anchor="ctr" anchorCtr="0">
+          <a:noAutofit/>
+        </a:bodyPr>
+        <a:lstStyle/>
+        <a:p>
+          <a:pPr marL="0" lvl="0" indent="0" algn="l" defTabSz="844550">
+            <a:lnSpc>
+              <a:spcPct val="90000"/>
+            </a:lnSpc>
+            <a:spcBef>
+              <a:spcPct val="0"/>
+            </a:spcBef>
+            <a:spcAft>
+              <a:spcPct val="35000"/>
+            </a:spcAft>
+            <a:buNone/>
+          </a:pPr>
+          <a:r>
+            <a:rPr lang="en-US" sz="1900" kern="1200"/>
+            <a:t>Kitchen system</a:t>
+          </a:r>
+        </a:p>
+      </dsp:txBody>
+      <dsp:txXfrm>
+        <a:off x="867320" y="1879079"/>
+        <a:ext cx="5422905" cy="750926"/>
+      </dsp:txXfrm>
+    </dsp:sp>
+    <dsp:sp modelId="{14AB5F3F-E930-4298-9BC1-ED60DF8030A4}">
+      <dsp:nvSpPr>
+        <dsp:cNvPr id="0" name=""/>
+        <dsp:cNvSpPr/>
+      </dsp:nvSpPr>
+      <dsp:spPr>
+        <a:xfrm>
+          <a:off x="0" y="2817738"/>
+          <a:ext cx="6290226" cy="750926"/>
+        </a:xfrm>
+        <a:prstGeom prst="roundRect">
+          <a:avLst>
+            <a:gd name="adj" fmla="val 10000"/>
+          </a:avLst>
+        </a:prstGeom>
+        <a:solidFill>
+          <a:schemeClr val="bg1">
+            <a:lumMod val="95000"/>
+            <a:hueOff val="0"/>
+            <a:satOff val="0"/>
+            <a:lumOff val="0"/>
+            <a:alphaOff val="0"/>
+          </a:schemeClr>
+        </a:solidFill>
+        <a:ln>
+          <a:noFill/>
+        </a:ln>
+        <a:effectLst/>
+      </dsp:spPr>
+      <dsp:style>
+        <a:lnRef idx="0">
+          <a:scrgbClr r="0" g="0" b="0"/>
+        </a:lnRef>
+        <a:fillRef idx="1">
+          <a:scrgbClr r="0" g="0" b="0"/>
+        </a:fillRef>
+        <a:effectRef idx="0">
+          <a:scrgbClr r="0" g="0" b="0"/>
+        </a:effectRef>
+        <a:fontRef idx="minor"/>
+      </dsp:style>
+    </dsp:sp>
+    <dsp:sp modelId="{C6B59340-721D-4372-841C-B71BC9CD0315}">
+      <dsp:nvSpPr>
+        <dsp:cNvPr id="0" name=""/>
+        <dsp:cNvSpPr/>
+      </dsp:nvSpPr>
+      <dsp:spPr>
+        <a:xfrm>
+          <a:off x="227155" y="2986696"/>
+          <a:ext cx="413009" cy="413009"/>
+        </a:xfrm>
+        <a:prstGeom prst="rect">
+          <a:avLst/>
+        </a:prstGeom>
+        <a:blipFill>
+          <a:blip xmlns:r="http://schemas.openxmlformats.org/officeDocument/2006/relationships" r:embed="rId7">
+            <a:extLst>
+              <a:ext uri="{28A0092B-C50C-407E-A947-70E740481C1C}">
+                <a14:useLocalDpi xmlns:a14="http://schemas.microsoft.com/office/drawing/2010/main" val="0"/>
+              </a:ext>
+              <a:ext uri="{96DAC541-7B7A-43D3-8B79-37D633B846F1}">
+                <asvg:svgBlip xmlns:asvg="http://schemas.microsoft.com/office/drawing/2016/SVG/main" r:embed="rId8"/>
+              </a:ext>
+            </a:extLst>
+          </a:blip>
+          <a:stretch>
+            <a:fillRect/>
+          </a:stretch>
+        </a:blipFill>
+        <a:ln w="12700" cap="flat" cmpd="sng" algn="ctr">
+          <a:noFill/>
+          <a:prstDash val="solid"/>
+        </a:ln>
+        <a:effectLst/>
+      </dsp:spPr>
+      <dsp:style>
+        <a:lnRef idx="2">
+          <a:scrgbClr r="0" g="0" b="0"/>
+        </a:lnRef>
+        <a:fillRef idx="1">
+          <a:scrgbClr r="0" g="0" b="0"/>
+        </a:fillRef>
+        <a:effectRef idx="0">
+          <a:scrgbClr r="0" g="0" b="0"/>
+        </a:effectRef>
+        <a:fontRef idx="minor">
+          <a:schemeClr val="lt1"/>
+        </a:fontRef>
+      </dsp:style>
+    </dsp:sp>
+    <dsp:sp modelId="{C7E2854F-6440-4852-8F5A-39E8C6337FEB}">
+      <dsp:nvSpPr>
+        <dsp:cNvPr id="0" name=""/>
+        <dsp:cNvSpPr/>
+      </dsp:nvSpPr>
+      <dsp:spPr>
+        <a:xfrm>
+          <a:off x="867320" y="2817738"/>
+          <a:ext cx="5422905" cy="750926"/>
+        </a:xfrm>
+        <a:prstGeom prst="rect">
+          <a:avLst/>
+        </a:prstGeom>
+        <a:noFill/>
+        <a:ln>
+          <a:noFill/>
+        </a:ln>
+        <a:effectLst/>
+      </dsp:spPr>
+      <dsp:style>
+        <a:lnRef idx="0">
+          <a:scrgbClr r="0" g="0" b="0"/>
+        </a:lnRef>
+        <a:fillRef idx="0">
+          <a:scrgbClr r="0" g="0" b="0"/>
+        </a:fillRef>
+        <a:effectRef idx="0">
+          <a:scrgbClr r="0" g="0" b="0"/>
+        </a:effectRef>
+        <a:fontRef idx="minor"/>
+      </dsp:style>
+      <dsp:txBody>
+        <a:bodyPr spcFirstLastPara="0" vert="horz" wrap="square" lIns="79473" tIns="79473" rIns="79473" bIns="79473" numCol="1" spcCol="1270" anchor="ctr" anchorCtr="0">
+          <a:noAutofit/>
+        </a:bodyPr>
+        <a:lstStyle/>
+        <a:p>
+          <a:pPr marL="0" lvl="0" indent="0" algn="l" defTabSz="844550">
+            <a:lnSpc>
+              <a:spcPct val="90000"/>
+            </a:lnSpc>
+            <a:spcBef>
+              <a:spcPct val="0"/>
+            </a:spcBef>
+            <a:spcAft>
+              <a:spcPct val="35000"/>
+            </a:spcAft>
+            <a:buNone/>
+          </a:pPr>
+          <a:r>
+            <a:rPr lang="en-US" sz="1900" kern="1200"/>
+            <a:t>Door/living room system</a:t>
+          </a:r>
+        </a:p>
+      </dsp:txBody>
+      <dsp:txXfrm>
+        <a:off x="867320" y="2817738"/>
+        <a:ext cx="5422905" cy="750926"/>
+      </dsp:txXfrm>
+    </dsp:sp>
+    <dsp:sp modelId="{13BC5FBF-235A-4CB7-9AA2-067DB1724215}">
+      <dsp:nvSpPr>
+        <dsp:cNvPr id="0" name=""/>
+        <dsp:cNvSpPr/>
+      </dsp:nvSpPr>
+      <dsp:spPr>
+        <a:xfrm>
+          <a:off x="0" y="3756397"/>
+          <a:ext cx="6290226" cy="750926"/>
+        </a:xfrm>
+        <a:prstGeom prst="roundRect">
+          <a:avLst>
+            <a:gd name="adj" fmla="val 10000"/>
+          </a:avLst>
+        </a:prstGeom>
+        <a:solidFill>
+          <a:schemeClr val="bg1">
+            <a:lumMod val="95000"/>
+            <a:hueOff val="0"/>
+            <a:satOff val="0"/>
+            <a:lumOff val="0"/>
+            <a:alphaOff val="0"/>
+          </a:schemeClr>
+        </a:solidFill>
+        <a:ln>
+          <a:noFill/>
+        </a:ln>
+        <a:effectLst/>
+      </dsp:spPr>
+      <dsp:style>
+        <a:lnRef idx="0">
+          <a:scrgbClr r="0" g="0" b="0"/>
+        </a:lnRef>
+        <a:fillRef idx="1">
+          <a:scrgbClr r="0" g="0" b="0"/>
+        </a:fillRef>
+        <a:effectRef idx="0">
+          <a:scrgbClr r="0" g="0" b="0"/>
+        </a:effectRef>
+        <a:fontRef idx="minor"/>
+      </dsp:style>
+    </dsp:sp>
+    <dsp:sp modelId="{E39A581B-8CBB-47EF-89C7-EF7A052EE372}">
+      <dsp:nvSpPr>
+        <dsp:cNvPr id="0" name=""/>
+        <dsp:cNvSpPr/>
+      </dsp:nvSpPr>
+      <dsp:spPr>
+        <a:xfrm>
+          <a:off x="227155" y="3925355"/>
+          <a:ext cx="413009" cy="413009"/>
+        </a:xfrm>
+        <a:prstGeom prst="rect">
+          <a:avLst/>
+        </a:prstGeom>
+        <a:blipFill>
+          <a:blip xmlns:r="http://schemas.openxmlformats.org/officeDocument/2006/relationships" r:embed="rId9">
+            <a:extLst>
+              <a:ext uri="{28A0092B-C50C-407E-A947-70E740481C1C}">
+                <a14:useLocalDpi xmlns:a14="http://schemas.microsoft.com/office/drawing/2010/main" val="0"/>
+              </a:ext>
+              <a:ext uri="{96DAC541-7B7A-43D3-8B79-37D633B846F1}">
+                <asvg:svgBlip xmlns:asvg="http://schemas.microsoft.com/office/drawing/2016/SVG/main" r:embed="rId10"/>
+              </a:ext>
+            </a:extLst>
+          </a:blip>
+          <a:stretch>
+            <a:fillRect/>
+          </a:stretch>
+        </a:blipFill>
+        <a:ln w="12700" cap="flat" cmpd="sng" algn="ctr">
+          <a:noFill/>
+          <a:prstDash val="solid"/>
+        </a:ln>
+        <a:effectLst/>
+      </dsp:spPr>
+      <dsp:style>
+        <a:lnRef idx="2">
+          <a:scrgbClr r="0" g="0" b="0"/>
+        </a:lnRef>
+        <a:fillRef idx="1">
+          <a:scrgbClr r="0" g="0" b="0"/>
+        </a:fillRef>
+        <a:effectRef idx="0">
+          <a:scrgbClr r="0" g="0" b="0"/>
+        </a:effectRef>
+        <a:fontRef idx="minor">
+          <a:schemeClr val="lt1"/>
+        </a:fontRef>
+      </dsp:style>
+    </dsp:sp>
+    <dsp:sp modelId="{C289AD9A-43AD-4B3B-83D8-02C9EAC832CA}">
+      <dsp:nvSpPr>
+        <dsp:cNvPr id="0" name=""/>
+        <dsp:cNvSpPr/>
+      </dsp:nvSpPr>
+      <dsp:spPr>
+        <a:xfrm>
+          <a:off x="867320" y="3756397"/>
+          <a:ext cx="5422905" cy="750926"/>
+        </a:xfrm>
+        <a:prstGeom prst="rect">
+          <a:avLst/>
+        </a:prstGeom>
+        <a:noFill/>
+        <a:ln>
+          <a:noFill/>
+        </a:ln>
+        <a:effectLst/>
+      </dsp:spPr>
+      <dsp:style>
+        <a:lnRef idx="0">
+          <a:scrgbClr r="0" g="0" b="0"/>
+        </a:lnRef>
+        <a:fillRef idx="0">
+          <a:scrgbClr r="0" g="0" b="0"/>
+        </a:fillRef>
+        <a:effectRef idx="0">
+          <a:scrgbClr r="0" g="0" b="0"/>
+        </a:effectRef>
+        <a:fontRef idx="minor"/>
+      </dsp:style>
+      <dsp:txBody>
+        <a:bodyPr spcFirstLastPara="0" vert="horz" wrap="square" lIns="79473" tIns="79473" rIns="79473" bIns="79473" numCol="1" spcCol="1270" anchor="ctr" anchorCtr="0">
+          <a:noAutofit/>
+        </a:bodyPr>
+        <a:lstStyle/>
+        <a:p>
+          <a:pPr marL="0" lvl="0" indent="0" algn="l" defTabSz="844550">
+            <a:lnSpc>
+              <a:spcPct val="90000"/>
+            </a:lnSpc>
+            <a:spcBef>
+              <a:spcPct val="0"/>
+            </a:spcBef>
+            <a:spcAft>
+              <a:spcPct val="35000"/>
+            </a:spcAft>
+            <a:buNone/>
+          </a:pPr>
+          <a:r>
+            <a:rPr lang="en-US" sz="1900" kern="1200"/>
+            <a:t>Administrator system</a:t>
+          </a:r>
+        </a:p>
+      </dsp:txBody>
+      <dsp:txXfrm>
+        <a:off x="867320" y="3756397"/>
+        <a:ext cx="5422905" cy="750926"/>
+      </dsp:txXfrm>
+    </dsp:sp>
+    <dsp:sp modelId="{DA8C5E94-CD3A-4B2A-B890-FB6CAAE50750}">
+      <dsp:nvSpPr>
+        <dsp:cNvPr id="0" name=""/>
+        <dsp:cNvSpPr/>
+      </dsp:nvSpPr>
+      <dsp:spPr>
+        <a:xfrm>
+          <a:off x="0" y="4695055"/>
+          <a:ext cx="6290226" cy="750926"/>
+        </a:xfrm>
+        <a:prstGeom prst="roundRect">
+          <a:avLst>
+            <a:gd name="adj" fmla="val 10000"/>
+          </a:avLst>
+        </a:prstGeom>
+        <a:solidFill>
+          <a:schemeClr val="bg1">
+            <a:lumMod val="95000"/>
+            <a:hueOff val="0"/>
+            <a:satOff val="0"/>
+            <a:lumOff val="0"/>
+            <a:alphaOff val="0"/>
+          </a:schemeClr>
+        </a:solidFill>
+        <a:ln>
+          <a:noFill/>
+        </a:ln>
+        <a:effectLst/>
+      </dsp:spPr>
+      <dsp:style>
+        <a:lnRef idx="0">
+          <a:scrgbClr r="0" g="0" b="0"/>
+        </a:lnRef>
+        <a:fillRef idx="1">
+          <a:scrgbClr r="0" g="0" b="0"/>
+        </a:fillRef>
+        <a:effectRef idx="0">
+          <a:scrgbClr r="0" g="0" b="0"/>
+        </a:effectRef>
+        <a:fontRef idx="minor"/>
+      </dsp:style>
+    </dsp:sp>
+    <dsp:sp modelId="{A162948E-4CA6-4EAB-8B02-3A83EB565C70}">
+      <dsp:nvSpPr>
+        <dsp:cNvPr id="0" name=""/>
+        <dsp:cNvSpPr/>
+      </dsp:nvSpPr>
+      <dsp:spPr>
+        <a:xfrm>
+          <a:off x="227155" y="4864014"/>
+          <a:ext cx="413009" cy="413009"/>
+        </a:xfrm>
+        <a:prstGeom prst="rect">
+          <a:avLst/>
+        </a:prstGeom>
+        <a:blipFill>
+          <a:blip xmlns:r="http://schemas.openxmlformats.org/officeDocument/2006/relationships" r:embed="rId11">
+            <a:extLst>
+              <a:ext uri="{28A0092B-C50C-407E-A947-70E740481C1C}">
+                <a14:useLocalDpi xmlns:a14="http://schemas.microsoft.com/office/drawing/2010/main" val="0"/>
+              </a:ext>
+              <a:ext uri="{96DAC541-7B7A-43D3-8B79-37D633B846F1}">
+                <asvg:svgBlip xmlns:asvg="http://schemas.microsoft.com/office/drawing/2016/SVG/main" r:embed="rId12"/>
+              </a:ext>
+            </a:extLst>
+          </a:blip>
+          <a:stretch>
+            <a:fillRect/>
+          </a:stretch>
+        </a:blipFill>
+        <a:ln w="12700" cap="flat" cmpd="sng" algn="ctr">
+          <a:noFill/>
+          <a:prstDash val="solid"/>
+        </a:ln>
+        <a:effectLst/>
+      </dsp:spPr>
+      <dsp:style>
+        <a:lnRef idx="2">
+          <a:scrgbClr r="0" g="0" b="0"/>
+        </a:lnRef>
+        <a:fillRef idx="1">
+          <a:scrgbClr r="0" g="0" b="0"/>
+        </a:fillRef>
+        <a:effectRef idx="0">
+          <a:scrgbClr r="0" g="0" b="0"/>
+        </a:effectRef>
+        <a:fontRef idx="minor">
+          <a:schemeClr val="lt1"/>
+        </a:fontRef>
+      </dsp:style>
+    </dsp:sp>
+    <dsp:sp modelId="{348A6EBF-DD52-42F2-8CE7-57A4B44632FA}">
+      <dsp:nvSpPr>
+        <dsp:cNvPr id="0" name=""/>
+        <dsp:cNvSpPr/>
+      </dsp:nvSpPr>
+      <dsp:spPr>
+        <a:xfrm>
+          <a:off x="867320" y="4695055"/>
+          <a:ext cx="5422905" cy="750926"/>
+        </a:xfrm>
+        <a:prstGeom prst="rect">
+          <a:avLst/>
+        </a:prstGeom>
+        <a:noFill/>
+        <a:ln>
+          <a:noFill/>
+        </a:ln>
+        <a:effectLst/>
+      </dsp:spPr>
+      <dsp:style>
+        <a:lnRef idx="0">
+          <a:scrgbClr r="0" g="0" b="0"/>
+        </a:lnRef>
+        <a:fillRef idx="0">
+          <a:scrgbClr r="0" g="0" b="0"/>
+        </a:fillRef>
+        <a:effectRef idx="0">
+          <a:scrgbClr r="0" g="0" b="0"/>
+        </a:effectRef>
+        <a:fontRef idx="minor"/>
+      </dsp:style>
+      <dsp:txBody>
+        <a:bodyPr spcFirstLastPara="0" vert="horz" wrap="square" lIns="79473" tIns="79473" rIns="79473" bIns="79473" numCol="1" spcCol="1270" anchor="ctr" anchorCtr="0">
+          <a:noAutofit/>
+        </a:bodyPr>
+        <a:lstStyle/>
+        <a:p>
+          <a:pPr marL="0" lvl="0" indent="0" algn="l" defTabSz="844550">
+            <a:lnSpc>
+              <a:spcPct val="90000"/>
+            </a:lnSpc>
+            <a:spcBef>
+              <a:spcPct val="0"/>
+            </a:spcBef>
+            <a:spcAft>
+              <a:spcPct val="35000"/>
+            </a:spcAft>
+            <a:buNone/>
+          </a:pPr>
+          <a:r>
+            <a:rPr lang="en-US" sz="1900" kern="1200"/>
+            <a:t>questions</a:t>
+          </a:r>
+        </a:p>
+      </dsp:txBody>
+      <dsp:txXfrm>
+        <a:off x="867320" y="4695055"/>
+        <a:ext cx="5422905" cy="750926"/>
+      </dsp:txXfrm>
+    </dsp:sp>
+  </dsp:spTree>
+</dsp:drawing>
+</file>
+
+<file path=ppt/diagrams/layout1.xml><?xml version="1.0" encoding="utf-8"?>
+<dgm:layoutDef xmlns:dgm="http://schemas.openxmlformats.org/drawingml/2006/diagram" xmlns:a="http://schemas.openxmlformats.org/drawingml/2006/main" uniqueId="urn:microsoft.com/office/officeart/2018/2/layout/IconVerticalSolidList">
+  <dgm:title val="Icon Vertical Solid List"/>
+  <dgm:desc val="Use to show a series of visuals from top to bottom with Level 1 or Level 1 and Level 2 text grouped in a shape. Works best with icons or small pictures with lengthier descriptions."/>
+  <dgm:catLst>
+    <dgm:cat type="icon" pri="500"/>
+  </dgm:catLst>
+  <dgm:sampData useDef="1">
+    <dgm:dataModel>
+      <dgm:ptLst/>
+      <dgm:bg/>
+      <dgm:whole/>
+    </dgm:dataModel>
+  </dgm:sampData>
+  <dgm:styleData useDef="1">
+    <dgm:dataModel>
+      <dgm:ptLst/>
+      <dgm:bg/>
+      <dgm:whole/>
+    </dgm:dataModel>
+  </dgm:styleData>
+  <dgm:clrData useDef="1">
+    <dgm:dataModel>
+      <dgm:ptLst/>
+      <dgm:bg/>
+      <dgm:whole/>
+    </dgm:dataModel>
+  </dgm:clrData>
+  <dgm:layoutNode name="root">
+    <dgm:varLst>
+      <dgm:dir/>
+      <dgm:resizeHandles val="exact"/>
+    </dgm:varLst>
+    <dgm:choose name="Name0">
+      <dgm:if name="Name1" axis="self" func="var" arg="dir" op="equ" val="norm">
+        <dgm:alg type="lin">
+          <dgm:param type="linDir" val="fromT"/>
+          <dgm:param type="nodeHorzAlign" val="l"/>
+        </dgm:alg>
+      </dgm:if>
+      <dgm:else name="Name2">
+        <dgm:alg type="lin">
+          <dgm:param type="linDir" val="fromT"/>
+          <dgm:param type="nodeHorzAlign" val="r"/>
+        </dgm:alg>
+      </dgm:else>
+    </dgm:choose>
+    <dgm:shape xmlns:r="http://schemas.openxmlformats.org/officeDocument/2006/relationships" r:blip="">
+      <dgm:adjLst/>
+    </dgm:shape>
+    <dgm:presOf/>
+    <dgm:choose name="Name3">
+      <dgm:if name="Name4" axis="ch" ptType="node" func="cnt" op="lte" val="3">
+        <dgm:constrLst>
+          <dgm:constr type="h" for="ch" forName="compNode" refType="h" fact="0.3"/>
+          <dgm:constr type="w" for="ch" forName="compNode" refType="w"/>
+          <dgm:constr type="h" for="ch" forName="sibTrans" refType="h" refFor="ch" refForName="compNode" fact="0.25"/>
+          <dgm:constr type="primFontSz" for="des" forName="parTx" val="25"/>
+          <dgm:constr type="primFontSz" for="des" forName="desTx" refType="primFontSz" refFor="des" refForName="parTx" op="lte" fact="0.75"/>
+          <dgm:constr type="h" for="des" forName="compNode" op="equ"/>
+          <dgm:constr type="h" for="des" forName="bgRect" op="equ"/>
+          <dgm:constr type="h" for="des" forName="iconRect" op="equ"/>
+          <dgm:constr type="w" for="des" forName="iconRect" op="equ"/>
+          <dgm:constr type="h" for="des" forName="spaceRect" op="equ"/>
+          <dgm:constr type="h" for="des" forName="parTx" op="equ"/>
+          <dgm:constr type="h" for="des" forName="desTx" op="equ"/>
+        </dgm:constrLst>
+      </dgm:if>
+      <dgm:if name="Name5" axis="ch" ptType="node" func="cnt" op="lte" val="4">
+        <dgm:constrLst>
+          <dgm:constr type="h" for="ch" forName="compNode" refType="h" fact="0.3"/>
+          <dgm:constr type="w" for="ch" forName="compNode" refType="w"/>
+          <dgm:constr type="h" for="ch" forName="sibTrans" refType="h" refFor="ch" refForName="compNode" fact="0.25"/>
+          <dgm:constr type="primFontSz" for="des" forName="parTx" val="22"/>
+          <dgm:constr type="primFontSz" for="des" forName="desTx" refType="primFontSz" refFor="des" refForName="parTx" op="lte" fact="0.75"/>
+          <dgm:constr type="h" for="des" forName="compNode" op="equ"/>
+          <dgm:constr type="h" for="des" forName="bgRect" op="equ"/>
+          <dgm:constr type="h" for="des" forName="iconRect" op="equ"/>
+          <dgm:constr type="w" for="des" forName="iconRect" op="equ"/>
+          <dgm:constr type="h" for="des" forName="spaceRect" op="equ"/>
+          <dgm:constr type="h" for="des" forName="parTx" op="equ"/>
+          <dgm:constr type="h" for="des" forName="desTx" op="equ"/>
+        </dgm:constrLst>
+      </dgm:if>
+      <dgm:if name="Name6" axis="ch" ptType="node" func="cnt" op="lte" val="6">
+        <dgm:constrLst>
+          <dgm:constr type="h" for="ch" forName="compNode" refType="h" fact="0.3"/>
+          <dgm:constr type="w" for="ch" forName="compNode" refType="w"/>
+          <dgm:constr type="h" for="ch" forName="sibTrans" refType="h" refFor="ch" refForName="compNode" fact="0.25"/>
+          <dgm:constr type="primFontSz" for="des" forName="parTx" val="19"/>
+          <dgm:constr type="primFontSz" for="des" forName="desTx" refType="primFontSz" refFor="des" refForName="parTx" op="lte" fact="0.75"/>
+          <dgm:constr type="h" for="des" forName="compNode" op="equ"/>
+          <dgm:constr type="h" for="des" forName="bgRect" op="equ"/>
+          <dgm:constr type="h" for="des" forName="iconRect" op="equ"/>
+          <dgm:constr type="w" for="des" forName="iconRect" op="equ"/>
+          <dgm:constr type="h" for="des" forName="spaceRect" op="equ"/>
+          <dgm:constr type="h" for="des" forName="parTx" op="equ"/>
+          <dgm:constr type="h" for="des" forName="desTx" op="equ"/>
+        </dgm:constrLst>
+      </dgm:if>
+      <dgm:else name="Name7">
+        <dgm:constrLst>
+          <dgm:constr type="h" for="ch" forName="compNode" refType="h" fact="0.3"/>
+          <dgm:constr type="w" for="ch" forName="compNode" refType="w"/>
+          <dgm:constr type="h" for="ch" forName="sibTrans" refType="h" refFor="ch" refForName="compNode" fact="0.25"/>
+          <dgm:constr type="primFontSz" for="des" forName="parTx" val="16"/>
+          <dgm:constr type="primFontSz" for="des" forName="desTx" refType="primFontSz" refFor="des" refForName="parTx" op="lte" fact="0.75"/>
+          <dgm:constr type="h" for="des" forName="compNode" op="equ"/>
+          <dgm:constr type="h" for="des" forName="bgRect" op="equ"/>
+          <dgm:constr type="h" for="des" forName="iconRect" op="equ"/>
+          <dgm:constr type="w" for="des" forName="iconRect" op="equ"/>
+          <dgm:constr type="h" for="des" forName="spaceRect" op="equ"/>
+          <dgm:constr type="h" for="des" forName="parTx" op="equ"/>
+          <dgm:constr type="h" for="des" forName="desTx" op="equ"/>
+        </dgm:constrLst>
+      </dgm:else>
+    </dgm:choose>
+    <dgm:ruleLst>
+      <dgm:rule type="h" for="ch" forName="compNode" val="0" fact="NaN" max="NaN"/>
+    </dgm:ruleLst>
+    <dgm:forEach name="Name8" axis="ch" ptType="node">
+      <dgm:layoutNode name="compNode">
+        <dgm:alg type="composite"/>
+        <dgm:shape xmlns:r="http://schemas.openxmlformats.org/officeDocument/2006/relationships" r:blip="">
+          <dgm:adjLst/>
+        </dgm:shape>
+        <dgm:presOf axis="self"/>
+        <dgm:choose name="Name9">
+          <dgm:if name="Name10" axis="ch" ptType="node" func="cnt" op="gte" val="1">
+            <dgm:constrLst>
+              <dgm:constr type="w" for="ch" forName="bgRect" refType="w"/>
+              <dgm:constr type="h" for="ch" forName="bgRect" refType="h"/>
+              <dgm:constr type="l" for="ch" forName="bgRect"/>
+              <dgm:constr type="t" for="ch" forName="bgRect"/>
+              <dgm:constr type="h" for="ch" forName="iconRect" refType="h" fact="0.55"/>
+              <dgm:constr type="w" for="ch" forName="iconRect" refType="h" refFor="ch" refForName="iconRect"/>
+              <dgm:constr type="l" for="ch" forName="iconRect" refType="h" refFor="ch" refForName="iconRect" fact="0.55"/>
+              <dgm:constr type="ctrY" for="ch" forName="iconRect" refType="ctrY" refFor="ch" refForName="bgRect"/>
+              <dgm:constr type="w" for="ch" forName="spaceRect" refType="l" refFor="ch" refForName="iconRect"/>
+              <dgm:constr type="h" for="ch" forName="spaceRect" refType="h"/>
+              <dgm:constr type="l" for="ch" forName="spaceRect" refType="r" refFor="ch" refForName="iconRect"/>
+              <dgm:constr type="t" for="ch" forName="spaceRect"/>
+              <dgm:constr type="w" for="ch" forName="parTx" refType="w" fact="0.45"/>
+              <dgm:constr type="h" for="ch" forName="parTx" refType="h"/>
+              <dgm:constr type="l" for="ch" forName="parTx" refType="r" refFor="ch" refForName="spaceRect"/>
+              <dgm:constr type="t" for="ch" forName="parTx"/>
+              <dgm:constr type="h" for="ch" forName="desTx" refType="h"/>
+              <dgm:constr type="l" for="ch" forName="desTx" refType="r" refFor="ch" refForName="parTx"/>
+              <dgm:constr type="t" for="ch" forName="desTx"/>
+            </dgm:constrLst>
+          </dgm:if>
+          <dgm:else name="Name11">
+            <dgm:constrLst>
+              <dgm:constr type="w" for="ch" forName="bgRect" refType="w"/>
+              <dgm:constr type="h" for="ch" forName="bgRect" refType="h"/>
+              <dgm:constr type="l" for="ch" forName="bgRect"/>
+              <dgm:constr type="t" for="ch" forName="bgRect"/>
+              <dgm:constr type="h" for="ch" forName="iconRect" refType="h" fact="0.55"/>
+              <dgm:constr type="w" for="ch" forName="iconRect" refType="h" refFor="ch" refForName="iconRect"/>
+              <dgm:constr type="l" for="ch" forName="iconRect" refType="h" refFor="ch" refForName="iconRect" fact="0.55"/>
+              <dgm:constr type="ctrY" for="ch" forName="iconRect" refType="ctrY" refFor="ch" refForName="bgRect"/>
+              <dgm:constr type="w" for="ch" forName="spaceRect" refType="l" refFor="ch" refForName="iconRect"/>
+              <dgm:constr type="h" for="ch" forName="spaceRect" refType="h"/>
+              <dgm:constr type="l" for="ch" forName="spaceRect" refType="r" refFor="ch" refForName="iconRect"/>
+              <dgm:constr type="t" for="ch" forName="spaceRect"/>
+              <dgm:constr type="h" for="ch" forName="parTx" refType="h"/>
+              <dgm:constr type="l" for="ch" forName="parTx" refType="r" refFor="ch" refForName="spaceRect"/>
+              <dgm:constr type="t" for="ch" forName="parTx"/>
+            </dgm:constrLst>
+          </dgm:else>
+        </dgm:choose>
+        <dgm:ruleLst>
+          <dgm:rule type="h" val="INF" fact="NaN" max="NaN"/>
+        </dgm:ruleLst>
+        <dgm:layoutNode name="bgRect" styleLbl="bgShp">
+          <dgm:alg type="sp"/>
+          <dgm:shape xmlns:r="http://schemas.openxmlformats.org/officeDocument/2006/relationships" type="roundRect" r:blip="">
+            <dgm:adjLst>
+              <dgm:adj idx="1" val="0.1"/>
+            </dgm:adjLst>
+          </dgm:shape>
+          <dgm:presOf/>
+          <dgm:constrLst/>
+          <dgm:ruleLst/>
+        </dgm:layoutNode>
+        <dgm:layoutNode name="iconRect" styleLbl="node1">
+          <dgm:alg type="sp"/>
+          <dgm:shape xmlns:r="http://schemas.openxmlformats.org/officeDocument/2006/relationships" type="rect" r:blip="" blipPhldr="1">
+            <dgm:adjLst/>
+          </dgm:shape>
+          <dgm:presOf/>
+          <dgm:constrLst/>
+          <dgm:ruleLst/>
+        </dgm:layoutNode>
+        <dgm:layoutNode name="spaceRect">
+          <dgm:alg type="sp"/>
+          <dgm:shape xmlns:r="http://schemas.openxmlformats.org/officeDocument/2006/relationships" r:blip="">
+            <dgm:adjLst/>
+          </dgm:shape>
+          <dgm:presOf/>
+          <dgm:constrLst/>
+          <dgm:ruleLst/>
+        </dgm:layoutNode>
+        <dgm:layoutNode name="parTx" styleLbl="revTx">
+          <dgm:varLst>
+            <dgm:chMax val="0"/>
+            <dgm:chPref val="0"/>
+          </dgm:varLst>
+          <dgm:alg type="tx">
+            <dgm:param type="txAnchorVert" val="mid"/>
+            <dgm:param type="parTxLTRAlign" val="l"/>
+            <dgm:param type="shpTxLTRAlignCh" val="l"/>
+            <dgm:param type="parTxRTLAlign" val="r"/>
+            <dgm:param type="shpTxRTLAlignCh" val="r"/>
+          </dgm:alg>
+          <dgm:shape xmlns:r="http://schemas.openxmlformats.org/officeDocument/2006/relationships" type="rect" r:blip="">
+            <dgm:adjLst/>
+          </dgm:shape>
+          <dgm:presOf axis="self" ptType="node"/>
+          <dgm:constrLst>
+            <dgm:constr type="lMarg" refType="h" fact="0.3"/>
+            <dgm:constr type="rMarg" refType="h" fact="0.3"/>
+            <dgm:constr type="tMarg" refType="h" fact="0.3"/>
+            <dgm:constr type="bMarg" refType="h" fact="0.3"/>
+          </dgm:constrLst>
+          <dgm:ruleLst>
+            <dgm:rule type="primFontSz" val="14" fact="NaN" max="NaN"/>
+            <dgm:rule type="h" val="INF" fact="NaN" max="NaN"/>
+          </dgm:ruleLst>
+        </dgm:layoutNode>
+        <dgm:choose name="Name12">
+          <dgm:if name="Name13" axis="ch" ptType="node" func="cnt" op="gte" val="1">
+            <dgm:layoutNode name="desTx" styleLbl="revTx">
+              <dgm:varLst/>
+              <dgm:alg type="tx">
+                <dgm:param type="txAnchorVertCh" val="mid"/>
+                <dgm:param type="parTxLTRAlign" val="l"/>
+                <dgm:param type="shpTxLTRAlignCh" val="l"/>
+                <dgm:param type="parTxRTLAlign" val="r"/>
+                <dgm:param type="shpTxRTLAlignCh" val="r"/>
+                <dgm:param type="stBulletLvl" val="0"/>
+              </dgm:alg>
+              <dgm:shape xmlns:r="http://schemas.openxmlformats.org/officeDocument/2006/relationships" type="rect" r:blip="">
+                <dgm:adjLst/>
+              </dgm:shape>
+              <dgm:presOf axis="des" ptType="node"/>
+              <dgm:constrLst>
+                <dgm:constr type="primFontSz" val="18"/>
+                <dgm:constr type="secFontSz" refType="primFontSz"/>
+                <dgm:constr type="lMarg" refType="h" fact="0.3"/>
+                <dgm:constr type="rMarg" refType="h" fact="0.3"/>
+                <dgm:constr type="tMarg" refType="h" fact="0.3"/>
+                <dgm:constr type="bMarg" refType="h" fact="0.3"/>
+              </dgm:constrLst>
+              <dgm:ruleLst>
+                <dgm:rule type="primFontSz" val="11" fact="NaN" max="NaN"/>
+              </dgm:ruleLst>
+            </dgm:layoutNode>
+          </dgm:if>
+          <dgm:else name="Name14"/>
+        </dgm:choose>
+      </dgm:layoutNode>
+      <dgm:forEach name="Name15" axis="followSib" ptType="sibTrans" cnt="1">
+        <dgm:layoutNode name="sibTrans">
+          <dgm:alg type="sp"/>
+          <dgm:shape xmlns:r="http://schemas.openxmlformats.org/officeDocument/2006/relationships" r:blip="">
+            <dgm:adjLst/>
+          </dgm:shape>
+          <dgm:presOf axis="self"/>
+          <dgm:constrLst/>
+          <dgm:ruleLst/>
+        </dgm:layoutNode>
+      </dgm:forEach>
+    </dgm:forEach>
+  </dgm:layoutNode>
+  <dgm:extLst>
+    <a:ext uri="{68A01E43-0DF5-4B5B-8FA6-DAF915123BFB}">
+      <dgm1612:lstStyle xmlns:dgm1612="http://schemas.microsoft.com/office/drawing/2016/12/diagram">
+        <a:lvl1pPr>
+          <a:lnSpc>
+            <a:spcPct val="100000"/>
+          </a:lnSpc>
+        </a:lvl1pPr>
+        <a:lvl2pPr>
+          <a:lnSpc>
+            <a:spcPct val="100000"/>
+          </a:lnSpc>
+        </a:lvl2pPr>
+      </dgm1612:lstStyle>
+    </a:ext>
+  </dgm:extLst>
+</dgm:layoutDef>
+</file>
+
+<file path=ppt/diagrams/quickStyle1.xml><?xml version="1.0" encoding="utf-8"?>
+<dgm:styleDef xmlns:dgm="http://schemas.openxmlformats.org/drawingml/2006/diagram" xmlns:a="http://schemas.openxmlformats.org/drawingml/2006/main" uniqueId="urn:microsoft.com/office/officeart/2005/8/quickstyle/simple1">
+  <dgm:title val=""/>
+  <dgm:desc val=""/>
+  <dgm:catLst>
+    <dgm:cat type="simple" pri="10100"/>
+  </dgm:catLst>
+  <dgm:scene3d>
+    <a:camera prst="orthographicFront"/>
+    <a:lightRig rig="threePt" dir="t"/>
+  </dgm:scene3d>
+  <dgm:styleLbl name="node0">
+    <dgm:scene3d>
+      <a:camera prst="orthographicFront"/>
+      <a:lightRig rig="threePt" dir="t"/>
+    </dgm:scene3d>
+    <dgm:sp3d/>
+    <dgm:txPr/>
+    <dgm:style>
+      <a:lnRef idx="2">
+        <a:scrgbClr r="0" g="0" b="0"/>
+      </a:lnRef>
+      <a:fillRef idx="1">
+        <a:scrgbClr r="0" g="0" b="0"/>
+      </a:fillRef>
+      <a:effectRef idx="0">
+        <a:scrgbClr r="0" g="0" b="0"/>
+      </a:effectRef>
+      <a:fontRef idx="minor">
+        <a:schemeClr val="lt1"/>
+      </a:fontRef>
+    </dgm:style>
+  </dgm:styleLbl>
+  <dgm:styleLbl name="lnNode1">
+    <dgm:scene3d>
+      <a:camera prst="orthographicFront"/>
+      <a:lightRig rig="threePt" dir="t"/>
+    </dgm:scene3d>
+    <dgm:sp3d/>
+    <dgm:txPr/>
+    <dgm:style>
+      <a:lnRef idx="2">
+        <a:scrgbClr r="0" g="0" b="0"/>
+      </a:lnRef>
+      <a:fillRef idx="1">
+        <a:scrgbClr r="0" g="0" b="0"/>
+      </a:fillRef>
+      <a:effectRef idx="0">
+        <a:scrgbClr r="0" g="0" b="0"/>
+      </a:effectRef>
+      <a:fontRef idx="minor">
+        <a:schemeClr val="lt1"/>
+      </a:fontRef>
+    </dgm:style>
+  </dgm:styleLbl>
+  <dgm:styleLbl name="vennNode1">
+    <dgm:scene3d>
+      <a:camera prst="orthographicFront"/>
+      <a:lightRig rig="threePt" dir="t"/>
+    </dgm:scene3d>
+    <dgm:sp3d/>
+    <dgm:txPr/>
+    <dgm:style>
+      <a:lnRef idx="2">
+        <a:scrgbClr r="0" g="0" b="0"/>
+      </a:lnRef>
+      <a:fillRef idx="1">
+        <a:scrgbClr r="0" g="0" b="0"/>
+      </a:fillRef>
+      <a:effectRef idx="0">
+        <a:scrgbClr r="0" g="0" b="0"/>
+      </a:effectRef>
+      <a:fontRef idx="minor">
+        <a:schemeClr val="tx1"/>
+      </a:fontRef>
+    </dgm:style>
+  </dgm:styleLbl>
+  <dgm:styleLbl name="alignNode1">
+    <dgm:scene3d>
+      <a:camera prst="orthographicFront"/>
+      <a:lightRig rig="threePt" dir="t"/>
+    </dgm:scene3d>
+    <dgm:sp3d/>
+    <dgm:txPr/>
+    <dgm:style>
+      <a:lnRef idx="2">
+        <a:scrgbClr r="0" g="0" b="0"/>
+      </a:lnRef>
+      <a:fillRef idx="1">
+        <a:scrgbClr r="0" g="0" b="0"/>
+      </a:fillRef>
+      <a:effectRef idx="0">
+        <a:scrgbClr r="0" g="0" b="0"/>
+      </a:effectRef>
+      <a:fontRef idx="minor">
+        <a:schemeClr val="lt1"/>
+      </a:fontRef>
+    </dgm:style>
+  </dgm:styleLbl>
+  <dgm:styleLbl name="node1">
+    <dgm:scene3d>
+      <a:camera prst="orthographicFront"/>
+      <a:lightRig rig="threePt" dir="t"/>
+    </dgm:scene3d>
+    <dgm:sp3d/>
+    <dgm:txPr/>
+    <dgm:style>
+      <a:lnRef idx="2">
+        <a:scrgbClr r="0" g="0" b="0"/>
+      </a:lnRef>
+      <a:fillRef idx="1">
+        <a:scrgbClr r="0" g="0" b="0"/>
+      </a:fillRef>
+      <a:effectRef idx="0">
+        <a:scrgbClr r="0" g="0" b="0"/>
+      </a:effectRef>
+      <a:fontRef idx="minor">
+        <a:schemeClr val="lt1"/>
+      </a:fontRef>
+    </dgm:style>
+  </dgm:styleLbl>
+  <dgm:styleLbl name="node2">
+    <dgm:scene3d>
+      <a:camera prst="orthographicFront"/>
+      <a:lightRig rig="threePt" dir="t"/>
+    </dgm:scene3d>
+    <dgm:sp3d/>
+    <dgm:txPr/>
+    <dgm:style>
+      <a:lnRef idx="2">
+        <a:scrgbClr r="0" g="0" b="0"/>
+      </a:lnRef>
+      <a:fillRef idx="1">
+        <a:scrgbClr r="0" g="0" b="0"/>
+      </a:fillRef>
+      <a:effectRef idx="0">
+        <a:scrgbClr r="0" g="0" b="0"/>
+      </a:effectRef>
+      <a:fontRef idx="minor">
+        <a:schemeClr val="lt1"/>
+      </a:fontRef>
+    </dgm:style>
+  </dgm:styleLbl>
+  <dgm:styleLbl name="node3">
+    <dgm:scene3d>
+      <a:camera prst="orthographicFront"/>
+      <a:lightRig rig="threePt" dir="t"/>
+    </dgm:scene3d>
+    <dgm:sp3d/>
+    <dgm:txPr/>
+    <dgm:style>
+      <a:lnRef idx="2">
+        <a:scrgbClr r="0" g="0" b="0"/>
+      </a:lnRef>
+      <a:fillRef idx="1">
+        <a:scrgbClr r="0" g="0" b="0"/>
+      </a:fillRef>
+      <a:effectRef idx="0">
+        <a:scrgbClr r="0" g="0" b="0"/>
+      </a:effectRef>
+      <a:fontRef idx="minor">
+        <a:schemeClr val="lt1"/>
+      </a:fontRef>
+    </dgm:style>
+  </dgm:styleLbl>
+  <dgm:styleLbl name="node4">
+    <dgm:scene3d>
+      <a:camera prst="orthographicFront"/>
+      <a:lightRig rig="threePt" dir="t"/>
+    </dgm:scene3d>
+    <dgm:sp3d/>
+    <dgm:txPr/>
+    <dgm:style>
+      <a:lnRef idx="2">
+        <a:scrgbClr r="0" g="0" b="0"/>
+      </a:lnRef>
+      <a:fillRef idx="1">
+        <a:scrgbClr r="0" g="0" b="0"/>
+      </a:fillRef>
+      <a:effectRef idx="0">
+        <a:scrgbClr r="0" g="0" b="0"/>
+      </a:effectRef>
+      <a:fontRef idx="minor">
+        <a:schemeClr val="lt1"/>
+      </a:fontRef>
+    </dgm:style>
+  </dgm:styleLbl>
+  <dgm:styleLbl name="fgImgPlace1">
+    <dgm:scene3d>
+      <a:camera prst="orthographicFront"/>
+      <a:lightRig rig="threePt" dir="t"/>
+    </dgm:scene3d>
+    <dgm:sp3d/>
+    <dgm:txPr/>
+    <dgm:style>
+      <a:lnRef idx="2">
+        <a:scrgbClr r="0" g="0" b="0"/>
+      </a:lnRef>
+      <a:fillRef idx="1">
+        <a:scrgbClr r="0" g="0" b="0"/>
+      </a:fillRef>
+      <a:effectRef idx="0">
+        <a:scrgbClr r="0" g="0" b="0"/>
+      </a:effectRef>
+      <a:fontRef idx="minor"/>
+    </dgm:style>
+  </dgm:styleLbl>
+  <dgm:styleLbl name="alignImgPlace1">
+    <dgm:scene3d>
+      <a:camera prst="orthographicFront"/>
+      <a:lightRig rig="threePt" dir="t"/>
+    </dgm:scene3d>
+    <dgm:sp3d/>
+    <dgm:txPr/>
+    <dgm:style>
+      <a:lnRef idx="2">
+        <a:scrgbClr r="0" g="0" b="0"/>
+      </a:lnRef>
+      <a:fillRef idx="1">
+        <a:scrgbClr r="0" g="0" b="0"/>
+      </a:fillRef>
+      <a:effectRef idx="0">
+        <a:scrgbClr r="0" g="0" b="0"/>
+      </a:effectRef>
+      <a:fontRef idx="minor"/>
+    </dgm:style>
+  </dgm:styleLbl>
+  <dgm:styleLbl name="bgImgPlace1">
+    <dgm:scene3d>
+      <a:camera prst="orthographicFront"/>
+      <a:lightRig rig="threePt" dir="t"/>
+    </dgm:scene3d>
+    <dgm:sp3d/>
+    <dgm:txPr/>
+    <dgm:style>
+      <a:lnRef idx="2">
+        <a:scrgbClr r="0" g="0" b="0"/>
+      </a:lnRef>
+      <a:fillRef idx="1">
+        <a:scrgbClr r="0" g="0" b="0"/>
+      </a:fillRef>
+      <a:effectRef idx="0">
+        <a:scrgbClr r="0" g="0" b="0"/>
+      </a:effectRef>
+      <a:fontRef idx="minor"/>
+    </dgm:style>
+  </dgm:styleLbl>
+  <dgm:styleLbl name="sibTrans2D1">
+    <dgm:scene3d>
+      <a:camera prst="orthographicFront"/>
+      <a:lightRig rig="threePt" dir="t"/>
+    </dgm:scene3d>
+    <dgm:sp3d/>
+    <dgm:txPr/>
+    <dgm:style>
+      <a:lnRef idx="0">
+        <a:scrgbClr r="0" g="0" b="0"/>
+      </a:lnRef>
+      <a:fillRef idx="1">
+        <a:scrgbClr r="0" g="0" b="0"/>
+      </a:fillRef>
+      <a:effectRef idx="0">
+        <a:scrgbClr r="0" g="0" b="0"/>
+      </a:effectRef>
+      <a:fontRef idx="minor">
+        <a:schemeClr val="lt1"/>
+      </a:fontRef>
+    </dgm:style>
+  </dgm:styleLbl>
+  <dgm:styleLbl name="fgSibTrans2D1">
+    <dgm:scene3d>
+      <a:camera prst="orthographicFront"/>
+      <a:lightRig rig="threePt" dir="t"/>
+    </dgm:scene3d>
+    <dgm:sp3d/>
+    <dgm:txPr/>
+    <dgm:style>
+      <a:lnRef idx="0">
+        <a:scrgbClr r="0" g="0" b="0"/>
+      </a:lnRef>
+      <a:fillRef idx="1">
+        <a:scrgbClr r="0" g="0" b="0"/>
+      </a:fillRef>
+      <a:effectRef idx="0">
+        <a:scrgbClr r="0" g="0" b="0"/>
+      </a:effectRef>
+      <a:fontRef idx="minor">
+        <a:schemeClr val="lt1"/>
+      </a:fontRef>
+    </dgm:style>
+  </dgm:styleLbl>
+  <dgm:styleLbl name="bgSibTrans2D1">
+    <dgm:scene3d>
+      <a:camera prst="orthographicFront"/>
+      <a:lightRig rig="threePt" dir="t"/>
+    </dgm:scene3d>
+    <dgm:sp3d/>
+    <dgm:txPr/>
+    <dgm:style>
+      <a:lnRef idx="0">
+        <a:scrgbClr r="0" g="0" b="0"/>
+      </a:lnRef>
+      <a:fillRef idx="1">
+        <a:scrgbClr r="0" g="0" b="0"/>
+      </a:fillRef>
+      <a:effectRef idx="0">
+        <a:scrgbClr r="0" g="0" b="0"/>
+      </a:effectRef>
+      <a:fontRef idx="minor">
+        <a:schemeClr val="lt1"/>
+      </a:fontRef>
+    </dgm:style>
+  </dgm:styleLbl>
+  <dgm:styleLbl name="sibTrans1D1">
+    <dgm:scene3d>
+      <a:camera prst="orthographicFront"/>
+      <a:lightRig rig="threePt" dir="t"/>
+    </dgm:scene3d>
+    <dgm:sp3d/>
+    <dgm:txPr/>
+    <dgm:style>
+      <a:lnRef idx="1">
+        <a:scrgbClr r="0" g="0" b="0"/>
+      </a:lnRef>
+      <a:fillRef idx="0">
+        <a:scrgbClr r="0" g="0" b="0"/>
+      </a:fillRef>
+      <a:effectRef idx="0">
+        <a:scrgbClr r="0" g="0" b="0"/>
+      </a:effectRef>
+      <a:fontRef idx="minor"/>
+    </dgm:style>
+  </dgm:styleLbl>
+  <dgm:styleLbl name="callout">
+    <dgm:scene3d>
+      <a:camera prst="orthographicFront"/>
+      <a:lightRig rig="threePt" dir="t"/>
+    </dgm:scene3d>
+    <dgm:sp3d/>
+    <dgm:txPr/>
+    <dgm:style>
+      <a:lnRef idx="2">
+        <a:scrgbClr r="0" g="0" b="0"/>
+      </a:lnRef>
+      <a:fillRef idx="1">
+        <a:scrgbClr r="0" g="0" b="0"/>
+      </a:fillRef>
+      <a:effectRef idx="0">
+        <a:scrgbClr r="0" g="0" b="0"/>
+      </a:effectRef>
+      <a:fontRef idx="minor"/>
+    </dgm:style>
+  </dgm:styleLbl>
+  <dgm:styleLbl name="asst0">
+    <dgm:scene3d>
+      <a:camera prst="orthographicFront"/>
+      <a:lightRig rig="threePt" dir="t"/>
+    </dgm:scene3d>
+    <dgm:sp3d/>
+    <dgm:txPr/>
+    <dgm:style>
+      <a:lnRef idx="2">
+        <a:scrgbClr r="0" g="0" b="0"/>
+      </a:lnRef>
+      <a:fillRef idx="1">
+        <a:scrgbClr r="0" g="0" b="0"/>
+      </a:fillRef>
+      <a:effectRef idx="0">
+        <a:scrgbClr r="0" g="0" b="0"/>
+      </a:effectRef>
+      <a:fontRef idx="minor">
+        <a:schemeClr val="lt1"/>
+      </a:fontRef>
+    </dgm:style>
+  </dgm:styleLbl>
+  <dgm:styleLbl name="asst1">
+    <dgm:scene3d>
+      <a:camera prst="orthographicFront"/>
+      <a:lightRig rig="threePt" dir="t"/>
+    </dgm:scene3d>
+    <dgm:sp3d/>
+    <dgm:txPr/>
+    <dgm:style>
+      <a:lnRef idx="2">
+        <a:scrgbClr r="0" g="0" b="0"/>
+      </a:lnRef>
+      <a:fillRef idx="1">
+        <a:scrgbClr r="0" g="0" b="0"/>
+      </a:fillRef>
+      <a:effectRef idx="0">
+        <a:scrgbClr r="0" g="0" b="0"/>
+      </a:effectRef>
+      <a:fontRef idx="minor">
+        <a:schemeClr val="lt1"/>
+      </a:fontRef>
+    </dgm:style>
+  </dgm:styleLbl>
+  <dgm:styleLbl name="asst2">
+    <dgm:scene3d>
+      <a:camera prst="orthographicFront"/>
+      <a:lightRig rig="threePt" dir="t"/>
+    </dgm:scene3d>
+    <dgm:sp3d/>
+    <dgm:txPr/>
+    <dgm:style>
+      <a:lnRef idx="2">
+        <a:scrgbClr r="0" g="0" b="0"/>
+      </a:lnRef>
+      <a:fillRef idx="1">
+        <a:scrgbClr r="0" g="0" b="0"/>
+      </a:fillRef>
+      <a:effectRef idx="0">
+        <a:scrgbClr r="0" g="0" b="0"/>
+      </a:effectRef>
+      <a:fontRef idx="minor">
+        <a:schemeClr val="lt1"/>
+      </a:fontRef>
+    </dgm:style>
+  </dgm:styleLbl>
+  <dgm:styleLbl name="asst3">
+    <dgm:scene3d>
+      <a:camera prst="orthographicFront"/>
+      <a:lightRig rig="threePt" dir="t"/>
+    </dgm:scene3d>
+    <dgm:sp3d/>
+    <dgm:txPr/>
+    <dgm:style>
+      <a:lnRef idx="2">
+        <a:scrgbClr r="0" g="0" b="0"/>
+      </a:lnRef>
+      <a:fillRef idx="1">
+        <a:scrgbClr r="0" g="0" b="0"/>
+      </a:fillRef>
+      <a:effectRef idx="0">
+        <a:scrgbClr r="0" g="0" b="0"/>
+      </a:effectRef>
+      <a:fontRef idx="minor">
+        <a:schemeClr val="lt1"/>
+      </a:fontRef>
+    </dgm:style>
+  </dgm:styleLbl>
+  <dgm:styleLbl name="asst4">
+    <dgm:scene3d>
+      <a:camera prst="orthographicFront"/>
+      <a:lightRig rig="threePt" dir="t"/>
+    </dgm:scene3d>
+    <dgm:sp3d/>
+    <dgm:txPr/>
+    <dgm:style>
+      <a:lnRef idx="2">
+        <a:scrgbClr r="0" g="0" b="0"/>
+      </a:lnRef>
+      <a:fillRef idx="1">
+        <a:scrgbClr r="0" g="0" b="0"/>
+      </a:fillRef>
+      <a:effectRef idx="0">
+        <a:scrgbClr r="0" g="0" b="0"/>
+      </a:effectRef>
+      <a:fontRef idx="minor">
+        <a:schemeClr val="lt1"/>
+      </a:fontRef>
+    </dgm:style>
+  </dgm:styleLbl>
+  <dgm:styleLbl name="parChTrans2D1">
+    <dgm:scene3d>
+      <a:camera prst="orthographicFront"/>
+      <a:lightRig rig="threePt" dir="t"/>
+    </dgm:scene3d>
+    <dgm:sp3d/>
+    <dgm:txPr/>
+    <dgm:style>
+      <a:lnRef idx="2">
+        <a:scrgbClr r="0" g="0" b="0"/>
+      </a:lnRef>
+      <a:fillRef idx="1">
+        <a:scrgbClr r="0" g="0" b="0"/>
+      </a:fillRef>
+      <a:effectRef idx="0">
+        <a:scrgbClr r="0" g="0" b="0"/>
+      </a:effectRef>
+      <a:fontRef idx="minor">
+        <a:schemeClr val="lt1"/>
+      </a:fontRef>
+    </dgm:style>
+  </dgm:styleLbl>
+  <dgm:styleLbl name="parChTrans2D2">
+    <dgm:scene3d>
+      <a:camera prst="orthographicFront"/>
+      <a:lightRig rig="threePt" dir="t"/>
+    </dgm:scene3d>
+    <dgm:sp3d/>
+    <dgm:txPr/>
+    <dgm:style>
+      <a:lnRef idx="2">
+        <a:scrgbClr r="0" g="0" b="0"/>
+      </a:lnRef>
+      <a:fillRef idx="1">
+        <a:scrgbClr r="0" g="0" b="0"/>
+      </a:fillRef>
+      <a:effectRef idx="0">
+        <a:scrgbClr r="0" g="0" b="0"/>
+      </a:effectRef>
+      <a:fontRef idx="minor">
+        <a:schemeClr val="lt1"/>
+      </a:fontRef>
+    </dgm:style>
+  </dgm:styleLbl>
+  <dgm:styleLbl name="parChTrans2D3">
+    <dgm:scene3d>
+      <a:camera prst="orthographicFront"/>
+      <a:lightRig rig="threePt" dir="t"/>
+    </dgm:scene3d>
+    <dgm:sp3d/>
+    <dgm:txPr/>
+    <dgm:style>
+      <a:lnRef idx="2">
+        <a:scrgbClr r="0" g="0" b="0"/>
+      </a:lnRef>
+      <a:fillRef idx="1">
+        <a:scrgbClr r="0" g="0" b="0"/>
+      </a:fillRef>
+      <a:effectRef idx="0">
+        <a:scrgbClr r="0" g="0" b="0"/>
+      </a:effectRef>
+      <a:fontRef idx="minor">
+        <a:schemeClr val="lt1"/>
+      </a:fontRef>
+    </dgm:style>
+  </dgm:styleLbl>
+  <dgm:styleLbl name="parChTrans2D4">
+    <dgm:scene3d>
+      <a:camera prst="orthographicFront"/>
+      <a:lightRig rig="threePt" dir="t"/>
+    </dgm:scene3d>
+    <dgm:sp3d/>
+    <dgm:txPr/>
+    <dgm:style>
+      <a:lnRef idx="2">
+        <a:scrgbClr r="0" g="0" b="0"/>
+      </a:lnRef>
+      <a:fillRef idx="1">
+        <a:scrgbClr r="0" g="0" b="0"/>
+      </a:fillRef>
+      <a:effectRef idx="0">
+        <a:scrgbClr r="0" g="0" b="0"/>
+      </a:effectRef>
+      <a:fontRef idx="minor">
+        <a:schemeClr val="lt1"/>
+      </a:fontRef>
+    </dgm:style>
+  </dgm:styleLbl>
+  <dgm:styleLbl name="parChTrans1D1">
+    <dgm:scene3d>
+      <a:camera prst="orthographicFront"/>
+      <a:lightRig rig="threePt" dir="t"/>
+    </dgm:scene3d>
+    <dgm:sp3d/>
+    <dgm:txPr/>
+    <dgm:style>
+      <a:lnRef idx="2">
+        <a:scrgbClr r="0" g="0" b="0"/>
+      </a:lnRef>
+      <a:fillRef idx="0">
+        <a:scrgbClr r="0" g="0" b="0"/>
+      </a:fillRef>
+      <a:effectRef idx="0">
+        <a:scrgbClr r="0" g="0" b="0"/>
+      </a:effectRef>
+      <a:fontRef idx="minor"/>
+    </dgm:style>
+  </dgm:styleLbl>
+  <dgm:styleLbl name="parChTrans1D2">
+    <dgm:scene3d>
+      <a:camera prst="orthographicFront"/>
+      <a:lightRig rig="threePt" dir="t"/>
+    </dgm:scene3d>
+    <dgm:sp3d/>
+    <dgm:txPr/>
+    <dgm:style>
+      <a:lnRef idx="2">
+        <a:scrgbClr r="0" g="0" b="0"/>
+      </a:lnRef>
+      <a:fillRef idx="0">
+        <a:scrgbClr r="0" g="0" b="0"/>
+      </a:fillRef>
+      <a:effectRef idx="0">
+        <a:scrgbClr r="0" g="0" b="0"/>
+      </a:effectRef>
+      <a:fontRef idx="minor"/>
+    </dgm:style>
+  </dgm:styleLbl>
+  <dgm:styleLbl name="parChTrans1D3">
+    <dgm:scene3d>
+      <a:camera prst="orthographicFront"/>
+      <a:lightRig rig="threePt" dir="t"/>
+    </dgm:scene3d>
+    <dgm:sp3d/>
+    <dgm:txPr/>
+    <dgm:style>
+      <a:lnRef idx="2">
+        <a:scrgbClr r="0" g="0" b="0"/>
+      </a:lnRef>
+      <a:fillRef idx="0">
+        <a:scrgbClr r="0" g="0" b="0"/>
+      </a:fillRef>
+      <a:effectRef idx="0">
+        <a:scrgbClr r="0" g="0" b="0"/>
+      </a:effectRef>
+      <a:fontRef idx="minor"/>
+    </dgm:style>
+  </dgm:styleLbl>
+  <dgm:styleLbl name="parChTrans1D4">
+    <dgm:scene3d>
+      <a:camera prst="orthographicFront"/>
+      <a:lightRig rig="threePt" dir="t"/>
+    </dgm:scene3d>
+    <dgm:sp3d/>
+    <dgm:txPr/>
+    <dgm:style>
+      <a:lnRef idx="2">
+        <a:scrgbClr r="0" g="0" b="0"/>
+      </a:lnRef>
+      <a:fillRef idx="0">
+        <a:scrgbClr r="0" g="0" b="0"/>
+      </a:fillRef>
+      <a:effectRef idx="0">
+        <a:scrgbClr r="0" g="0" b="0"/>
+      </a:effectRef>
+      <a:fontRef idx="minor"/>
+    </dgm:style>
+  </dgm:styleLbl>
+  <dgm:styleLbl name="fgAcc1">
+    <dgm:scene3d>
+      <a:camera prst="orthographicFront"/>
+      <a:lightRig rig="threePt" dir="t"/>
+    </dgm:scene3d>
+    <dgm:sp3d/>
+    <dgm:txPr/>
+    <dgm:style>
+      <a:lnRef idx="2">
+        <a:scrgbClr r="0" g="0" b="0"/>
+      </a:lnRef>
+      <a:fillRef idx="1">
+        <a:scrgbClr r="0" g="0" b="0"/>
+      </a:fillRef>
+      <a:effectRef idx="0">
+        <a:scrgbClr r="0" g="0" b="0"/>
+      </a:effectRef>
+      <a:fontRef idx="minor"/>
+    </dgm:style>
+  </dgm:styleLbl>
+  <dgm:styleLbl name="conFgAcc1">
+    <dgm:scene3d>
+      <a:camera prst="orthographicFront"/>
+      <a:lightRig rig="threePt" dir="t"/>
+    </dgm:scene3d>
+    <dgm:sp3d/>
+    <dgm:txPr/>
+    <dgm:style>
+      <a:lnRef idx="2">
+        <a:scrgbClr r="0" g="0" b="0"/>
+      </a:lnRef>
+      <a:fillRef idx="1">
+        <a:scrgbClr r="0" g="0" b="0"/>
+      </a:fillRef>
+      <a:effectRef idx="0">
+        <a:scrgbClr r="0" g="0" b="0"/>
+      </a:effectRef>
+      <a:fontRef idx="minor"/>
+    </dgm:style>
+  </dgm:styleLbl>
+  <dgm:styleLbl name="alignAcc1">
+    <dgm:scene3d>
+      <a:camera prst="orthographicFront"/>
+      <a:lightRig rig="threePt" dir="t"/>
+    </dgm:scene3d>
+    <dgm:sp3d/>
+    <dgm:txPr/>
+    <dgm:style>
+      <a:lnRef idx="2">
+        <a:scrgbClr r="0" g="0" b="0"/>
+      </a:lnRef>
+      <a:fillRef idx="1">
+        <a:scrgbClr r="0" g="0" b="0"/>
+      </a:fillRef>
+      <a:effectRef idx="0">
+        <a:scrgbClr r="0" g="0" b="0"/>
+      </a:effectRef>
+      <a:fontRef idx="minor"/>
+    </dgm:style>
+  </dgm:styleLbl>
+  <dgm:styleLbl name="trAlignAcc1">
+    <dgm:scene3d>
+      <a:camera prst="orthographicFront"/>
+      <a:lightRig rig="threePt" dir="t"/>
+    </dgm:scene3d>
+    <dgm:sp3d/>
+    <dgm:txPr/>
+    <dgm:style>
+      <a:lnRef idx="1">
+        <a:scrgbClr r="0" g="0" b="0"/>
+      </a:lnRef>
+      <a:fillRef idx="1">
+        <a:scrgbClr r="0" g="0" b="0"/>
+      </a:fillRef>
+      <a:effectRef idx="0">
+        <a:scrgbClr r="0" g="0" b="0"/>
+      </a:effectRef>
+      <a:fontRef idx="minor"/>
+    </dgm:style>
+  </dgm:styleLbl>
+  <dgm:styleLbl name="bgAcc1">
+    <dgm:scene3d>
+      <a:camera prst="orthographicFront"/>
+      <a:lightRig rig="threePt" dir="t"/>
+    </dgm:scene3d>
+    <dgm:sp3d/>
+    <dgm:txPr/>
+    <dgm:style>
+      <a:lnRef idx="2">
+        <a:scrgbClr r="0" g="0" b="0"/>
+      </a:lnRef>
+      <a:fillRef idx="1">
+        <a:scrgbClr r="0" g="0" b="0"/>
+      </a:fillRef>
+      <a:effectRef idx="0">
+        <a:scrgbClr r="0" g="0" b="0"/>
+      </a:effectRef>
+      <a:fontRef idx="minor"/>
+    </dgm:style>
+  </dgm:styleLbl>
+  <dgm:styleLbl name="solidFgAcc1">
+    <dgm:scene3d>
+      <a:camera prst="orthographicFront"/>
+      <a:lightRig rig="threePt" dir="t"/>
+    </dgm:scene3d>
+    <dgm:sp3d/>
+    <dgm:txPr/>
+    <dgm:style>
+      <a:lnRef idx="2">
+        <a:scrgbClr r="0" g="0" b="0"/>
+      </a:lnRef>
+      <a:fillRef idx="1">
+        <a:scrgbClr r="0" g="0" b="0"/>
+      </a:fillRef>
+      <a:effectRef idx="0">
+        <a:scrgbClr r="0" g="0" b="0"/>
+      </a:effectRef>
+      <a:fontRef idx="minor"/>
+    </dgm:style>
+  </dgm:styleLbl>
+  <dgm:styleLbl name="solidAlignAcc1">
+    <dgm:scene3d>
+      <a:camera prst="orthographicFront"/>
+      <a:lightRig rig="threePt" dir="t"/>
+    </dgm:scene3d>
+    <dgm:sp3d/>
+    <dgm:txPr/>
+    <dgm:style>
+      <a:lnRef idx="2">
+        <a:scrgbClr r="0" g="0" b="0"/>
+      </a:lnRef>
+      <a:fillRef idx="1">
+        <a:scrgbClr r="0" g="0" b="0"/>
+      </a:fillRef>
+      <a:effectRef idx="0">
+        <a:scrgbClr r="0" g="0" b="0"/>
+      </a:effectRef>
+      <a:fontRef idx="minor"/>
+    </dgm:style>
+  </dgm:styleLbl>
+  <dgm:styleLbl name="solidBgAcc1">
+    <dgm:scene3d>
+      <a:camera prst="orthographicFront"/>
+      <a:lightRig rig="threePt" dir="t"/>
+    </dgm:scene3d>
+    <dgm:sp3d/>
+    <dgm:txPr/>
+    <dgm:style>
+      <a:lnRef idx="2">
+        <a:scrgbClr r="0" g="0" b="0"/>
+      </a:lnRef>
+      <a:fillRef idx="1">
+        <a:scrgbClr r="0" g="0" b="0"/>
+      </a:fillRef>
+      <a:effectRef idx="0">
+        <a:scrgbClr r="0" g="0" b="0"/>
+      </a:effectRef>
+      <a:fontRef idx="minor"/>
+    </dgm:style>
+  </dgm:styleLbl>
+  <dgm:styleLbl name="fgAccFollowNode1">
+    <dgm:scene3d>
+      <a:camera prst="orthographicFront"/>
+      <a:lightRig rig="threePt" dir="t"/>
+    </dgm:scene3d>
+    <dgm:sp3d/>
+    <dgm:txPr/>
+    <dgm:style>
+      <a:lnRef idx="2">
+        <a:scrgbClr r="0" g="0" b="0"/>
+      </a:lnRef>
+      <a:fillRef idx="1">
+        <a:scrgbClr r="0" g="0" b="0"/>
+      </a:fillRef>
+      <a:effectRef idx="0">
+        <a:scrgbClr r="0" g="0" b="0"/>
+      </a:effectRef>
+      <a:fontRef idx="minor"/>
+    </dgm:style>
+  </dgm:styleLbl>
+  <dgm:styleLbl name="alignAccFollowNode1">
+    <dgm:scene3d>
+      <a:camera prst="orthographicFront"/>
+      <a:lightRig rig="threePt" dir="t"/>
+    </dgm:scene3d>
+    <dgm:sp3d/>
+    <dgm:txPr/>
+    <dgm:style>
+      <a:lnRef idx="2">
+        <a:scrgbClr r="0" g="0" b="0"/>
+      </a:lnRef>
+      <a:fillRef idx="1">
+        <a:scrgbClr r="0" g="0" b="0"/>
+      </a:fillRef>
+      <a:effectRef idx="0">
+        <a:scrgbClr r="0" g="0" b="0"/>
+      </a:effectRef>
+      <a:fontRef idx="minor"/>
+    </dgm:style>
+  </dgm:styleLbl>
+  <dgm:styleLbl name="bgAccFollowNode1">
+    <dgm:scene3d>
+      <a:camera prst="orthographicFront"/>
+      <a:lightRig rig="threePt" dir="t"/>
+    </dgm:scene3d>
+    <dgm:sp3d/>
+    <dgm:txPr/>
+    <dgm:style>
+      <a:lnRef idx="2">
+        <a:scrgbClr r="0" g="0" b="0"/>
+      </a:lnRef>
+      <a:fillRef idx="1">
+        <a:scrgbClr r="0" g="0" b="0"/>
+      </a:fillRef>
+      <a:effectRef idx="0">
+        <a:scrgbClr r="0" g="0" b="0"/>
+      </a:effectRef>
+      <a:fontRef idx="minor"/>
+    </dgm:style>
+  </dgm:styleLbl>
+  <dgm:styleLbl name="fgAcc0">
+    <dgm:scene3d>
+      <a:camera prst="orthographicFront"/>
+      <a:lightRig rig="threePt" dir="t"/>
+    </dgm:scene3d>
+    <dgm:sp3d/>
+    <dgm:txPr/>
+    <dgm:style>
+      <a:lnRef idx="2">
+        <a:scrgbClr r="0" g="0" b="0"/>
+      </a:lnRef>
+      <a:fillRef idx="1">
+        <a:scrgbClr r="0" g="0" b="0"/>
+      </a:fillRef>
+      <a:effectRef idx="0">
+        <a:scrgbClr r="0" g="0" b="0"/>
+      </a:effectRef>
+      <a:fontRef idx="minor"/>
+    </dgm:style>
+  </dgm:styleLbl>
+  <dgm:styleLbl name="fgAcc2">
+    <dgm:scene3d>
+      <a:camera prst="orthographicFront"/>
+      <a:lightRig rig="threePt" dir="t"/>
+    </dgm:scene3d>
+    <dgm:sp3d/>
+    <dgm:txPr/>
+    <dgm:style>
+      <a:lnRef idx="2">
+        <a:scrgbClr r="0" g="0" b="0"/>
+      </a:lnRef>
+      <a:fillRef idx="1">
+        <a:scrgbClr r="0" g="0" b="0"/>
+      </a:fillRef>
+      <a:effectRef idx="0">
+        <a:scrgbClr r="0" g="0" b="0"/>
+      </a:effectRef>
+      <a:fontRef idx="minor"/>
+    </dgm:style>
+  </dgm:styleLbl>
+  <dgm:styleLbl name="fgAcc3">
+    <dgm:scene3d>
+      <a:camera prst="orthographicFront"/>
+      <a:lightRig rig="threePt" dir="t"/>
+    </dgm:scene3d>
+    <dgm:sp3d/>
+    <dgm:txPr/>
+    <dgm:style>
+      <a:lnRef idx="2">
+        <a:scrgbClr r="0" g="0" b="0"/>
+      </a:lnRef>
+      <a:fillRef idx="1">
+        <a:scrgbClr r="0" g="0" b="0"/>
+      </a:fillRef>
+      <a:effectRef idx="0">
+        <a:scrgbClr r="0" g="0" b="0"/>
+      </a:effectRef>
+      <a:fontRef idx="minor"/>
+    </dgm:style>
+  </dgm:styleLbl>
+  <dgm:styleLbl name="fgAcc4">
+    <dgm:scene3d>
+      <a:camera prst="orthographicFront"/>
+      <a:lightRig rig="threePt" dir="t"/>
+    </dgm:scene3d>
+    <dgm:sp3d/>
+    <dgm:txPr/>
+    <dgm:style>
+      <a:lnRef idx="2">
+        <a:scrgbClr r="0" g="0" b="0"/>
+      </a:lnRef>
+      <a:fillRef idx="1">
+        <a:scrgbClr r="0" g="0" b="0"/>
+      </a:fillRef>
+      <a:effectRef idx="0">
+        <a:scrgbClr r="0" g="0" b="0"/>
+      </a:effectRef>
+      <a:fontRef idx="minor"/>
+    </dgm:style>
+  </dgm:styleLbl>
+  <dgm:styleLbl name="bgShp">
+    <dgm:scene3d>
+      <a:camera prst="orthographicFront"/>
+      <a:lightRig rig="threePt" dir="t"/>
+    </dgm:scene3d>
+    <dgm:sp3d/>
+    <dgm:txPr/>
+    <dgm:style>
+      <a:lnRef idx="0">
+        <a:scrgbClr r="0" g="0" b="0"/>
+      </a:lnRef>
+      <a:fillRef idx="1">
+        <a:scrgbClr r="0" g="0" b="0"/>
+      </a:fillRef>
+      <a:effectRef idx="0">
+        <a:scrgbClr r="0" g="0" b="0"/>
+      </a:effectRef>
+      <a:fontRef idx="minor"/>
+    </dgm:style>
+  </dgm:styleLbl>
+  <dgm:styleLbl name="dkBgShp">
+    <dgm:scene3d>
+      <a:camera prst="orthographicFront"/>
+      <a:lightRig rig="threePt" dir="t"/>
+    </dgm:scene3d>
+    <dgm:sp3d/>
+    <dgm:txPr/>
+    <dgm:style>
+      <a:lnRef idx="0">
+        <a:scrgbClr r="0" g="0" b="0"/>
+      </a:lnRef>
+      <a:fillRef idx="1">
+        <a:scrgbClr r="0" g="0" b="0"/>
+      </a:fillRef>
+      <a:effectRef idx="0">
+        <a:scrgbClr r="0" g="0" b="0"/>
+      </a:effectRef>
+      <a:fontRef idx="minor"/>
+    </dgm:style>
+  </dgm:styleLbl>
+  <dgm:styleLbl name="trBgShp">
+    <dgm:scene3d>
+      <a:camera prst="orthographicFront"/>
+      <a:lightRig rig="threePt" dir="t"/>
+    </dgm:scene3d>
+    <dgm:sp3d/>
+    <dgm:txPr/>
+    <dgm:style>
+      <a:lnRef idx="0">
+        <a:scrgbClr r="0" g="0" b="0"/>
+      </a:lnRef>
+      <a:fillRef idx="1">
+        <a:scrgbClr r="0" g="0" b="0"/>
+      </a:fillRef>
+      <a:effectRef idx="0">
+        <a:scrgbClr r="0" g="0" b="0"/>
+      </a:effectRef>
+      <a:fontRef idx="minor"/>
+    </dgm:style>
+  </dgm:styleLbl>
+  <dgm:styleLbl name="fgShp">
+    <dgm:scene3d>
+      <a:camera prst="orthographicFront"/>
+      <a:lightRig rig="threePt" dir="t"/>
+    </dgm:scene3d>
+    <dgm:sp3d/>
+    <dgm:txPr/>
+    <dgm:style>
+      <a:lnRef idx="2">
+        <a:scrgbClr r="0" g="0" b="0"/>
+      </a:lnRef>
+      <a:fillRef idx="1">
+        <a:scrgbClr r="0" g="0" b="0"/>
+      </a:fillRef>
+      <a:effectRef idx="0">
+        <a:scrgbClr r="0" g="0" b="0"/>
+      </a:effectRef>
+      <a:fontRef idx="minor"/>
+    </dgm:style>
+  </dgm:styleLbl>
+  <dgm:styleLbl name="revTx">
+    <dgm:scene3d>
+      <a:camera prst="orthographicFront"/>
+      <a:lightRig rig="threePt" dir="t"/>
+    </dgm:scene3d>
+    <dgm:sp3d/>
+    <dgm:txPr/>
+    <dgm:style>
+      <a:lnRef idx="0">
+        <a:scrgbClr r="0" g="0" b="0"/>
+      </a:lnRef>
+      <a:fillRef idx="0">
+        <a:scrgbClr r="0" g="0" b="0"/>
+      </a:fillRef>
+      <a:effectRef idx="0">
+        <a:scrgbClr r="0" g="0" b="0"/>
+      </a:effectRef>
+      <a:fontRef idx="minor"/>
+    </dgm:style>
+  </dgm:styleLbl>
+</dgm:styleDef>
 </file>
 
 <file path=ppt/slideLayouts/slideLayout1.xml><?xml version="1.0" encoding="utf-8"?>
@@ -285,7 +3934,7 @@
           <a:p>
             <a:fld id="{C9DD3FD2-45C4-495B-9250-F6AECE14795E}" type="datetimeFigureOut">
               <a:rPr lang="en-US" smtClean="0"/>
-              <a:t>12/15/2019</a:t>
+              <a:t>12/31/2019</a:t>
             </a:fld>
             <a:endParaRPr lang="en-US"/>
           </a:p>
@@ -552,7 +4201,7 @@
           <a:p>
             <a:fld id="{C9DD3FD2-45C4-495B-9250-F6AECE14795E}" type="datetimeFigureOut">
               <a:rPr lang="en-US" smtClean="0"/>
-              <a:t>12/15/2019</a:t>
+              <a:t>12/31/2019</a:t>
             </a:fld>
             <a:endParaRPr lang="en-US"/>
           </a:p>
@@ -783,7 +4432,7 @@
           <a:p>
             <a:fld id="{C9DD3FD2-45C4-495B-9250-F6AECE14795E}" type="datetimeFigureOut">
               <a:rPr lang="en-US" smtClean="0"/>
-              <a:t>12/15/2019</a:t>
+              <a:t>12/31/2019</a:t>
             </a:fld>
             <a:endParaRPr lang="en-US"/>
           </a:p>
@@ -1093,7 +4742,7 @@
           <a:p>
             <a:fld id="{C9DD3FD2-45C4-495B-9250-F6AECE14795E}" type="datetimeFigureOut">
               <a:rPr lang="en-US" smtClean="0"/>
-              <a:t>12/15/2019</a:t>
+              <a:t>12/31/2019</a:t>
             </a:fld>
             <a:endParaRPr lang="en-US"/>
           </a:p>
@@ -1566,7 +5215,7 @@
           <a:p>
             <a:fld id="{C9DD3FD2-45C4-495B-9250-F6AECE14795E}" type="datetimeFigureOut">
               <a:rPr lang="en-US" smtClean="0"/>
-              <a:t>12/15/2019</a:t>
+              <a:t>12/31/2019</a:t>
             </a:fld>
             <a:endParaRPr lang="en-US"/>
           </a:p>
@@ -2113,7 +5762,7 @@
           <a:p>
             <a:fld id="{C9DD3FD2-45C4-495B-9250-F6AECE14795E}" type="datetimeFigureOut">
               <a:rPr lang="en-US" smtClean="0"/>
-              <a:t>12/15/2019</a:t>
+              <a:t>12/31/2019</a:t>
             </a:fld>
             <a:endParaRPr lang="en-US"/>
           </a:p>
@@ -2887,7 +6536,7 @@
           <a:p>
             <a:fld id="{C9DD3FD2-45C4-495B-9250-F6AECE14795E}" type="datetimeFigureOut">
               <a:rPr lang="en-US" smtClean="0"/>
-              <a:t>12/15/2019</a:t>
+              <a:t>12/31/2019</a:t>
             </a:fld>
             <a:endParaRPr lang="en-US"/>
           </a:p>
@@ -3062,7 +6711,7 @@
           <a:p>
             <a:fld id="{C9DD3FD2-45C4-495B-9250-F6AECE14795E}" type="datetimeFigureOut">
               <a:rPr lang="en-US" smtClean="0"/>
-              <a:t>12/15/2019</a:t>
+              <a:t>12/31/2019</a:t>
             </a:fld>
             <a:endParaRPr lang="en-US"/>
           </a:p>
@@ -3285,7 +6934,7 @@
           <a:p>
             <a:fld id="{C9DD3FD2-45C4-495B-9250-F6AECE14795E}" type="datetimeFigureOut">
               <a:rPr lang="en-US" smtClean="0"/>
-              <a:t>12/15/2019</a:t>
+              <a:t>12/31/2019</a:t>
             </a:fld>
             <a:endParaRPr lang="en-US"/>
           </a:p>
@@ -3465,7 +7114,7 @@
           <a:p>
             <a:fld id="{C9DD3FD2-45C4-495B-9250-F6AECE14795E}" type="datetimeFigureOut">
               <a:rPr lang="en-US" smtClean="0"/>
-              <a:t>12/15/2019</a:t>
+              <a:t>12/31/2019</a:t>
             </a:fld>
             <a:endParaRPr lang="en-US"/>
           </a:p>
@@ -3754,7 +7403,7 @@
           <a:p>
             <a:fld id="{C9DD3FD2-45C4-495B-9250-F6AECE14795E}" type="datetimeFigureOut">
               <a:rPr lang="en-US" smtClean="0"/>
-              <a:t>12/15/2019</a:t>
+              <a:t>12/31/2019</a:t>
             </a:fld>
             <a:endParaRPr lang="en-US"/>
           </a:p>
@@ -3996,7 +7645,7 @@
           <a:p>
             <a:fld id="{C9DD3FD2-45C4-495B-9250-F6AECE14795E}" type="datetimeFigureOut">
               <a:rPr lang="en-US" smtClean="0"/>
-              <a:t>12/15/2019</a:t>
+              <a:t>12/31/2019</a:t>
             </a:fld>
             <a:endParaRPr lang="en-US"/>
           </a:p>
@@ -4375,7 +8024,7 @@
           <a:p>
             <a:fld id="{C9DD3FD2-45C4-495B-9250-F6AECE14795E}" type="datetimeFigureOut">
               <a:rPr lang="en-US" smtClean="0"/>
-              <a:t>12/15/2019</a:t>
+              <a:t>12/31/2019</a:t>
             </a:fld>
             <a:endParaRPr lang="en-US"/>
           </a:p>
@@ -4493,7 +8142,7 @@
           <a:p>
             <a:fld id="{C9DD3FD2-45C4-495B-9250-F6AECE14795E}" type="datetimeFigureOut">
               <a:rPr lang="en-US" smtClean="0"/>
-              <a:t>12/15/2019</a:t>
+              <a:t>12/31/2019</a:t>
             </a:fld>
             <a:endParaRPr lang="en-US"/>
           </a:p>
@@ -4588,7 +8237,7 @@
           <a:p>
             <a:fld id="{C9DD3FD2-45C4-495B-9250-F6AECE14795E}" type="datetimeFigureOut">
               <a:rPr lang="en-US" smtClean="0"/>
-              <a:t>12/15/2019</a:t>
+              <a:t>12/31/2019</a:t>
             </a:fld>
             <a:endParaRPr lang="en-US"/>
           </a:p>
@@ -4837,7 +8486,7 @@
           <a:p>
             <a:fld id="{C9DD3FD2-45C4-495B-9250-F6AECE14795E}" type="datetimeFigureOut">
               <a:rPr lang="en-US" smtClean="0"/>
-              <a:t>12/15/2019</a:t>
+              <a:t>12/31/2019</a:t>
             </a:fld>
             <a:endParaRPr lang="en-US"/>
           </a:p>
@@ -5094,7 +8743,7 @@
           <a:p>
             <a:fld id="{C9DD3FD2-45C4-495B-9250-F6AECE14795E}" type="datetimeFigureOut">
               <a:rPr lang="en-US" smtClean="0"/>
-              <a:t>12/15/2019</a:t>
+              <a:t>12/31/2019</a:t>
             </a:fld>
             <a:endParaRPr lang="en-US"/>
           </a:p>
@@ -5337,7 +8986,7 @@
           <a:p>
             <a:fld id="{C9DD3FD2-45C4-495B-9250-F6AECE14795E}" type="datetimeFigureOut">
               <a:rPr lang="en-US" smtClean="0"/>
-              <a:t>12/15/2019</a:t>
+              <a:t>12/31/2019</a:t>
             </a:fld>
             <a:endParaRPr lang="en-US"/>
           </a:p>
@@ -5878,6 +9527,14 @@
 <file path=ppt/slides/slide2.xml><?xml version="1.0" encoding="utf-8"?>
 <p:sld xmlns:a="http://schemas.openxmlformats.org/drawingml/2006/main" xmlns:r="http://schemas.openxmlformats.org/officeDocument/2006/relationships" xmlns:p="http://schemas.openxmlformats.org/presentationml/2006/main">
   <p:cSld>
+    <p:bg>
+      <p:bgPr>
+        <a:solidFill>
+          <a:schemeClr val="bg1"/>
+        </a:solidFill>
+        <a:effectLst/>
+      </p:bgPr>
+    </p:bg>
     <p:spTree>
       <p:nvGrpSpPr>
         <p:cNvPr id="1" name=""/>
@@ -5892,6 +9549,227 @@
           <a:chExt cx="0" cy="0"/>
         </a:xfrm>
       </p:grpSpPr>
+      <p:sp useBgFill="1">
+        <p:nvSpPr>
+          <p:cNvPr id="10" name="Rounded Rectangle 14">
+            <a:extLst>
+              <a:ext uri="{FF2B5EF4-FFF2-40B4-BE49-F238E27FC236}">
+                <a16:creationId xmlns:a16="http://schemas.microsoft.com/office/drawing/2014/main" id="{843DD86A-8FAA-443F-9211-42A2AE8A790C}"/>
+              </a:ext>
+              <a:ext uri="{C183D7F6-B498-43B3-948B-1728B52AA6E4}">
+                <adec:decorative xmlns:adec="http://schemas.microsoft.com/office/drawing/2017/decorative" val="1"/>
+              </a:ext>
+            </a:extLst>
+          </p:cNvPr>
+          <p:cNvSpPr>
+            <a:spLocks noGrp="1" noRot="1" noChangeAspect="1" noMove="1" noResize="1" noEditPoints="1" noAdjustHandles="1" noChangeArrowheads="1" noChangeShapeType="1" noTextEdit="1"/>
+          </p:cNvSpPr>
+          <p:nvPr>
+            <p:extLst>
+              <p:ext uri="{386F3935-93C4-4BCD-93E2-E3B085C9AB24}">
+                <p16:designElem xmlns:p16="http://schemas.microsoft.com/office/powerpoint/2015/main" val="1"/>
+              </p:ext>
+            </p:extLst>
+          </p:nvPr>
+        </p:nvSpPr>
+        <p:spPr>
+          <a:xfrm>
+            <a:off x="4636008" y="0"/>
+            <a:ext cx="7555992" cy="6858000"/>
+          </a:xfrm>
+          <a:prstGeom prst="roundRect">
+            <a:avLst>
+              <a:gd name="adj" fmla="val 0"/>
+            </a:avLst>
+          </a:prstGeom>
+          <a:ln>
+            <a:noFill/>
+          </a:ln>
+          <a:effectLst/>
+        </p:spPr>
+        <p:style>
+          <a:lnRef idx="2">
+            <a:schemeClr val="accent1">
+              <a:shade val="50000"/>
+            </a:schemeClr>
+          </a:lnRef>
+          <a:fillRef idx="1">
+            <a:schemeClr val="accent1"/>
+          </a:fillRef>
+          <a:effectRef idx="0">
+            <a:schemeClr val="accent1"/>
+          </a:effectRef>
+          <a:fontRef idx="minor">
+            <a:schemeClr val="lt1"/>
+          </a:fontRef>
+        </p:style>
+        <p:txBody>
+          <a:bodyPr rtlCol="0" anchor="ctr"/>
+          <a:lstStyle/>
+          <a:p>
+            <a:pPr algn="ctr"/>
+            <a:endParaRPr lang="en-US"/>
+          </a:p>
+        </p:txBody>
+      </p:sp>
+      <p:sp>
+        <p:nvSpPr>
+          <p:cNvPr id="12" name="Rectangle 11">
+            <a:extLst>
+              <a:ext uri="{FF2B5EF4-FFF2-40B4-BE49-F238E27FC236}">
+                <a16:creationId xmlns:a16="http://schemas.microsoft.com/office/drawing/2014/main" id="{C2A13AAE-18EB-4BDF-BAF7-F2F97B8D00D6}"/>
+              </a:ext>
+              <a:ext uri="{C183D7F6-B498-43B3-948B-1728B52AA6E4}">
+                <adec:decorative xmlns:adec="http://schemas.microsoft.com/office/drawing/2017/decorative" val="1"/>
+              </a:ext>
+            </a:extLst>
+          </p:cNvPr>
+          <p:cNvSpPr>
+            <a:spLocks noGrp="1" noRot="1" noChangeAspect="1" noMove="1" noResize="1" noEditPoints="1" noAdjustHandles="1" noChangeArrowheads="1" noChangeShapeType="1" noTextEdit="1"/>
+          </p:cNvSpPr>
+          <p:nvPr>
+            <p:extLst>
+              <p:ext uri="{386F3935-93C4-4BCD-93E2-E3B085C9AB24}">
+                <p16:designElem xmlns:p16="http://schemas.microsoft.com/office/powerpoint/2015/main" val="1"/>
+              </p:ext>
+            </p:extLst>
+          </p:nvPr>
+        </p:nvSpPr>
+        <p:spPr>
+          <a:xfrm>
+            <a:off x="0" y="0"/>
+            <a:ext cx="4636008" cy="6858000"/>
+          </a:xfrm>
+          <a:prstGeom prst="rect">
+            <a:avLst/>
+          </a:prstGeom>
+          <a:solidFill>
+            <a:schemeClr val="tx1"/>
+          </a:solidFill>
+          <a:ln>
+            <a:noFill/>
+          </a:ln>
+          <a:effectLst>
+            <a:outerShdw blurRad="63500" dist="38100" algn="l" rotWithShape="0">
+              <a:prstClr val="black">
+                <a:alpha val="40000"/>
+              </a:prstClr>
+            </a:outerShdw>
+          </a:effectLst>
+        </p:spPr>
+        <p:style>
+          <a:lnRef idx="2">
+            <a:schemeClr val="accent1">
+              <a:shade val="50000"/>
+            </a:schemeClr>
+          </a:lnRef>
+          <a:fillRef idx="1">
+            <a:schemeClr val="accent1"/>
+          </a:fillRef>
+          <a:effectRef idx="0">
+            <a:schemeClr val="accent1"/>
+          </a:effectRef>
+          <a:fontRef idx="minor">
+            <a:schemeClr val="lt1"/>
+          </a:fontRef>
+        </p:style>
+        <p:txBody>
+          <a:bodyPr rtlCol="0" anchor="ctr"/>
+          <a:lstStyle/>
+          <a:p>
+            <a:pPr algn="ctr"/>
+            <a:endParaRPr lang="en-US"/>
+          </a:p>
+        </p:txBody>
+      </p:sp>
+      <p:pic>
+        <p:nvPicPr>
+          <p:cNvPr id="14" name="Picture 13">
+            <a:extLst>
+              <a:ext uri="{FF2B5EF4-FFF2-40B4-BE49-F238E27FC236}">
+                <a16:creationId xmlns:a16="http://schemas.microsoft.com/office/drawing/2014/main" id="{0F5C1B21-B0DB-4206-99EE-C13D67038B93}"/>
+              </a:ext>
+              <a:ext uri="{C183D7F6-B498-43B3-948B-1728B52AA6E4}">
+                <adec:decorative xmlns:adec="http://schemas.microsoft.com/office/drawing/2017/decorative" val="1"/>
+              </a:ext>
+            </a:extLst>
+          </p:cNvPr>
+          <p:cNvPicPr>
+            <a:picLocks noGrp="1" noRot="1" noChangeAspect="1" noMove="1" noResize="1" noEditPoints="1" noAdjustHandles="1" noChangeArrowheads="1" noChangeShapeType="1" noCrop="1"/>
+          </p:cNvPicPr>
+          <p:nvPr>
+            <p:extLst>
+              <p:ext uri="{386F3935-93C4-4BCD-93E2-E3B085C9AB24}">
+                <p16:designElem xmlns:p16="http://schemas.microsoft.com/office/powerpoint/2015/main" val="1"/>
+              </p:ext>
+            </p:extLst>
+          </p:nvPr>
+        </p:nvPicPr>
+        <p:blipFill rotWithShape="1">
+          <a:blip r:embed="rId2">
+            <a:extLst>
+              <a:ext uri="{28A0092B-C50C-407E-A947-70E740481C1C}">
+                <a14:useLocalDpi xmlns:a14="http://schemas.microsoft.com/office/drawing/2010/main" val="0"/>
+              </a:ext>
+            </a:extLst>
+          </a:blip>
+          <a:srcRect r="61975"/>
+          <a:stretch/>
+        </p:blipFill>
+        <p:spPr>
+          <a:xfrm>
+            <a:off x="0" y="0"/>
+            <a:ext cx="4636008" cy="1441450"/>
+          </a:xfrm>
+          <a:prstGeom prst="rect">
+            <a:avLst/>
+          </a:prstGeom>
+        </p:spPr>
+      </p:pic>
+      <p:pic>
+        <p:nvPicPr>
+          <p:cNvPr id="16" name="Picture 15">
+            <a:extLst>
+              <a:ext uri="{FF2B5EF4-FFF2-40B4-BE49-F238E27FC236}">
+                <a16:creationId xmlns:a16="http://schemas.microsoft.com/office/drawing/2014/main" id="{49261589-06E9-4B7C-A8F1-26648507B77B}"/>
+              </a:ext>
+              <a:ext uri="{C183D7F6-B498-43B3-948B-1728B52AA6E4}">
+                <adec:decorative xmlns:adec="http://schemas.microsoft.com/office/drawing/2017/decorative" val="1"/>
+              </a:ext>
+            </a:extLst>
+          </p:cNvPr>
+          <p:cNvPicPr>
+            <a:picLocks noGrp="1" noRot="1" noChangeAspect="1" noMove="1" noResize="1" noEditPoints="1" noAdjustHandles="1" noChangeArrowheads="1" noChangeShapeType="1" noCrop="1"/>
+          </p:cNvPicPr>
+          <p:nvPr>
+            <p:extLst>
+              <p:ext uri="{386F3935-93C4-4BCD-93E2-E3B085C9AB24}">
+                <p16:designElem xmlns:p16="http://schemas.microsoft.com/office/powerpoint/2015/main" val="1"/>
+              </p:ext>
+            </p:extLst>
+          </p:nvPr>
+        </p:nvPicPr>
+        <p:blipFill rotWithShape="1">
+          <a:blip r:embed="rId3">
+            <a:extLst>
+              <a:ext uri="{28A0092B-C50C-407E-A947-70E740481C1C}">
+                <a14:useLocalDpi xmlns:a14="http://schemas.microsoft.com/office/drawing/2010/main" val="0"/>
+              </a:ext>
+            </a:extLst>
+          </a:blip>
+          <a:srcRect r="61975"/>
+          <a:stretch/>
+        </p:blipFill>
+        <p:spPr>
+          <a:xfrm>
+            <a:off x="0" y="4375150"/>
+            <a:ext cx="4636008" cy="2482850"/>
+          </a:xfrm>
+          <a:prstGeom prst="rect">
+            <a:avLst/>
+          </a:prstGeom>
+        </p:spPr>
+      </p:pic>
       <p:sp>
         <p:nvSpPr>
           <p:cNvPr id="2" name="Title 1">
@@ -5908,76 +9786,60 @@
             <p:ph type="title"/>
           </p:nvPr>
         </p:nvSpPr>
-        <p:spPr/>
-        <p:txBody>
-          <a:bodyPr/>
+        <p:spPr>
+          <a:xfrm>
+            <a:off x="685800" y="1066163"/>
+            <a:ext cx="3306744" cy="5148371"/>
+          </a:xfrm>
+        </p:spPr>
+        <p:txBody>
+          <a:bodyPr>
+            <a:normAutofit/>
+          </a:bodyPr>
           <a:lstStyle/>
           <a:p>
             <a:r>
-              <a:rPr lang="en-US" dirty="0"/>
+              <a:rPr lang="en-US">
+                <a:solidFill>
+                  <a:schemeClr val="bg1"/>
+                </a:solidFill>
+              </a:rPr>
               <a:t>Table of contents</a:t>
             </a:r>
           </a:p>
         </p:txBody>
       </p:sp>
-      <p:sp>
-        <p:nvSpPr>
-          <p:cNvPr id="3" name="Content Placeholder 2">
+      <p:graphicFrame>
+        <p:nvGraphicFramePr>
+          <p:cNvPr id="7" name="Content Placeholder 2">
             <a:extLst>
               <a:ext uri="{FF2B5EF4-FFF2-40B4-BE49-F238E27FC236}">
-                <a16:creationId xmlns:a16="http://schemas.microsoft.com/office/drawing/2014/main" id="{2E5BAB9E-5E6B-4283-A39F-C0E8FCB210FF}"/>
+                <a16:creationId xmlns:a16="http://schemas.microsoft.com/office/drawing/2014/main" id="{4C37BC1A-7FF2-41AC-B74B-0BE2FCE304BF}"/>
               </a:ext>
             </a:extLst>
           </p:cNvPr>
-          <p:cNvSpPr>
-            <a:spLocks noGrp="1"/>
-          </p:cNvSpPr>
+          <p:cNvGraphicFramePr>
+            <a:graphicFrameLocks noGrp="1"/>
+          </p:cNvGraphicFramePr>
           <p:nvPr>
             <p:ph idx="1"/>
-          </p:nvPr>
-        </p:nvSpPr>
-        <p:spPr/>
-        <p:txBody>
-          <a:bodyPr/>
-          <a:lstStyle/>
-          <a:p>
-            <a:r>
-              <a:rPr lang="en-US" dirty="0"/>
-              <a:t>Description</a:t>
-            </a:r>
-          </a:p>
-          <a:p>
-            <a:r>
-              <a:rPr lang="en-US" dirty="0"/>
-              <a:t>Implementation</a:t>
-            </a:r>
-          </a:p>
-          <a:p>
-            <a:r>
-              <a:rPr lang="en-US" dirty="0"/>
-              <a:t>Kitchen system</a:t>
-            </a:r>
-          </a:p>
-          <a:p>
-            <a:r>
-              <a:rPr lang="en-US" dirty="0"/>
-              <a:t>Door/living room system</a:t>
-            </a:r>
-          </a:p>
-          <a:p>
-            <a:r>
-              <a:rPr lang="en-US" dirty="0"/>
-              <a:t>Administrator system</a:t>
-            </a:r>
-          </a:p>
-          <a:p>
-            <a:r>
-              <a:rPr lang="en-US" dirty="0"/>
-              <a:t>questions</a:t>
-            </a:r>
-          </a:p>
-        </p:txBody>
-      </p:sp>
+            <p:extLst>
+              <p:ext uri="{D42A27DB-BD31-4B8C-83A1-F6EECF244321}">
+                <p14:modId xmlns:p14="http://schemas.microsoft.com/office/powerpoint/2010/main" val="202008689"/>
+              </p:ext>
+            </p:extLst>
+          </p:nvPr>
+        </p:nvGraphicFramePr>
+        <p:xfrm>
+          <a:off x="5279472" y="746125"/>
+          <a:ext cx="6290226" cy="5447745"/>
+        </p:xfrm>
+        <a:graphic>
+          <a:graphicData uri="http://schemas.openxmlformats.org/drawingml/2006/diagram">
+            <dgm:relIds xmlns:dgm="http://schemas.openxmlformats.org/drawingml/2006/diagram" xmlns:r="http://schemas.openxmlformats.org/officeDocument/2006/relationships" r:dm="rId4" r:lo="rId5" r:qs="rId6" r:cs="rId7"/>
+          </a:graphicData>
+        </a:graphic>
+      </p:graphicFrame>
     </p:spTree>
     <p:extLst>
       <p:ext uri="{BB962C8B-B14F-4D97-AF65-F5344CB8AC3E}">
@@ -5986,7 +9848,7 @@
     </p:extLst>
   </p:cSld>
   <p:clrMapOvr>
-    <a:masterClrMapping/>
+    <a:overrideClrMapping bg1="lt1" tx1="dk1" bg2="lt2" tx2="dk2" accent1="accent1" accent2="accent2" accent3="accent3" accent4="accent4" accent5="accent5" accent6="accent6" hlink="hlink" folHlink="folHlink"/>
   </p:clrMapOvr>
 </p:sld>
 </file>
